--- a/stack/stack.pptx
+++ b/stack/stack.pptx
@@ -5,12 +5,13 @@
     <p:sldMasterId id="2147483648" r:id="rId1"/>
   </p:sldMasterIdLst>
   <p:notesMasterIdLst>
-    <p:notesMasterId r:id="rId5"/>
+    <p:notesMasterId r:id="rId6"/>
   </p:notesMasterIdLst>
   <p:sldIdLst>
     <p:sldId id="256" r:id="rId2"/>
     <p:sldId id="257" r:id="rId3"/>
     <p:sldId id="258" r:id="rId4"/>
+    <p:sldId id="259" r:id="rId5"/>
   </p:sldIdLst>
   <p:sldSz cx="12192000" cy="6858000"/>
   <p:notesSz cx="6858000" cy="9144000"/>
@@ -109,6 +110,11 @@
       </a:defRPr>
     </a:lvl9pPr>
   </p:defaultTextStyle>
+  <p:extLst>
+    <p:ext uri="{EFAFB233-063F-42B5-8137-9DF3F51BA10A}">
+      <p15:sldGuideLst xmlns:p15="http://schemas.microsoft.com/office/powerpoint/2012/main"/>
+    </p:ext>
+  </p:extLst>
 </p:presentation>
 </file>
 
@@ -194,7 +200,7 @@
           <a:p>
             <a:fld id="{EF89B589-35CB-4095-89F3-CBA9C3D5C94E}" type="datetimeFigureOut">
               <a:rPr lang="ko-KR" altLang="en-US" smtClean="0"/>
-              <a:t>2022-03-02 Wed요일</a:t>
+              <a:t>2022-03-05 Sat요일</a:t>
             </a:fld>
             <a:endParaRPr lang="ko-KR" altLang="en-US"/>
           </a:p>
@@ -608,7 +614,7 @@
           <a:p>
             <a:fld id="{3F5DACAA-BDF7-41DD-B2E5-E4E78D96A16D}" type="datetimeFigureOut">
               <a:rPr lang="ko-KR" altLang="en-US" smtClean="0"/>
-              <a:t>2022-03-02 Wed요일</a:t>
+              <a:t>2022-03-05 Sat요일</a:t>
             </a:fld>
             <a:endParaRPr lang="ko-KR" altLang="en-US"/>
           </a:p>
@@ -806,7 +812,7 @@
           <a:p>
             <a:fld id="{3F5DACAA-BDF7-41DD-B2E5-E4E78D96A16D}" type="datetimeFigureOut">
               <a:rPr lang="ko-KR" altLang="en-US" smtClean="0"/>
-              <a:t>2022-03-02 Wed요일</a:t>
+              <a:t>2022-03-05 Sat요일</a:t>
             </a:fld>
             <a:endParaRPr lang="ko-KR" altLang="en-US"/>
           </a:p>
@@ -1014,7 +1020,7 @@
           <a:p>
             <a:fld id="{3F5DACAA-BDF7-41DD-B2E5-E4E78D96A16D}" type="datetimeFigureOut">
               <a:rPr lang="ko-KR" altLang="en-US" smtClean="0"/>
-              <a:t>2022-03-02 Wed요일</a:t>
+              <a:t>2022-03-05 Sat요일</a:t>
             </a:fld>
             <a:endParaRPr lang="ko-KR" altLang="en-US"/>
           </a:p>
@@ -1212,7 +1218,7 @@
           <a:p>
             <a:fld id="{3F5DACAA-BDF7-41DD-B2E5-E4E78D96A16D}" type="datetimeFigureOut">
               <a:rPr lang="ko-KR" altLang="en-US" smtClean="0"/>
-              <a:t>2022-03-02 Wed요일</a:t>
+              <a:t>2022-03-05 Sat요일</a:t>
             </a:fld>
             <a:endParaRPr lang="ko-KR" altLang="en-US"/>
           </a:p>
@@ -1487,7 +1493,7 @@
           <a:p>
             <a:fld id="{3F5DACAA-BDF7-41DD-B2E5-E4E78D96A16D}" type="datetimeFigureOut">
               <a:rPr lang="ko-KR" altLang="en-US" smtClean="0"/>
-              <a:t>2022-03-02 Wed요일</a:t>
+              <a:t>2022-03-05 Sat요일</a:t>
             </a:fld>
             <a:endParaRPr lang="ko-KR" altLang="en-US"/>
           </a:p>
@@ -1752,7 +1758,7 @@
           <a:p>
             <a:fld id="{3F5DACAA-BDF7-41DD-B2E5-E4E78D96A16D}" type="datetimeFigureOut">
               <a:rPr lang="ko-KR" altLang="en-US" smtClean="0"/>
-              <a:t>2022-03-02 Wed요일</a:t>
+              <a:t>2022-03-05 Sat요일</a:t>
             </a:fld>
             <a:endParaRPr lang="ko-KR" altLang="en-US"/>
           </a:p>
@@ -2164,7 +2170,7 @@
           <a:p>
             <a:fld id="{3F5DACAA-BDF7-41DD-B2E5-E4E78D96A16D}" type="datetimeFigureOut">
               <a:rPr lang="ko-KR" altLang="en-US" smtClean="0"/>
-              <a:t>2022-03-02 Wed요일</a:t>
+              <a:t>2022-03-05 Sat요일</a:t>
             </a:fld>
             <a:endParaRPr lang="ko-KR" altLang="en-US"/>
           </a:p>
@@ -2305,7 +2311,7 @@
           <a:p>
             <a:fld id="{3F5DACAA-BDF7-41DD-B2E5-E4E78D96A16D}" type="datetimeFigureOut">
               <a:rPr lang="ko-KR" altLang="en-US" smtClean="0"/>
-              <a:t>2022-03-02 Wed요일</a:t>
+              <a:t>2022-03-05 Sat요일</a:t>
             </a:fld>
             <a:endParaRPr lang="ko-KR" altLang="en-US"/>
           </a:p>
@@ -2418,7 +2424,7 @@
           <a:p>
             <a:fld id="{3F5DACAA-BDF7-41DD-B2E5-E4E78D96A16D}" type="datetimeFigureOut">
               <a:rPr lang="ko-KR" altLang="en-US" smtClean="0"/>
-              <a:t>2022-03-02 Wed요일</a:t>
+              <a:t>2022-03-05 Sat요일</a:t>
             </a:fld>
             <a:endParaRPr lang="ko-KR" altLang="en-US"/>
           </a:p>
@@ -2729,7 +2735,7 @@
           <a:p>
             <a:fld id="{3F5DACAA-BDF7-41DD-B2E5-E4E78D96A16D}" type="datetimeFigureOut">
               <a:rPr lang="ko-KR" altLang="en-US" smtClean="0"/>
-              <a:t>2022-03-02 Wed요일</a:t>
+              <a:t>2022-03-05 Sat요일</a:t>
             </a:fld>
             <a:endParaRPr lang="ko-KR" altLang="en-US"/>
           </a:p>
@@ -3017,7 +3023,7 @@
           <a:p>
             <a:fld id="{3F5DACAA-BDF7-41DD-B2E5-E4E78D96A16D}" type="datetimeFigureOut">
               <a:rPr lang="ko-KR" altLang="en-US" smtClean="0"/>
-              <a:t>2022-03-02 Wed요일</a:t>
+              <a:t>2022-03-05 Sat요일</a:t>
             </a:fld>
             <a:endParaRPr lang="ko-KR" altLang="en-US"/>
           </a:p>
@@ -3258,7 +3264,7 @@
           <a:p>
             <a:fld id="{3F5DACAA-BDF7-41DD-B2E5-E4E78D96A16D}" type="datetimeFigureOut">
               <a:rPr lang="ko-KR" altLang="en-US" smtClean="0"/>
-              <a:t>2022-03-02 Wed요일</a:t>
+              <a:t>2022-03-05 Sat요일</a:t>
             </a:fld>
             <a:endParaRPr lang="ko-KR" altLang="en-US"/>
           </a:p>
@@ -7290,6 +7296,1785 @@
     <p:extLst>
       <p:ext uri="{BB962C8B-B14F-4D97-AF65-F5344CB8AC3E}">
         <p14:creationId xmlns:p14="http://schemas.microsoft.com/office/powerpoint/2010/main" val="3083902800"/>
+      </p:ext>
+    </p:extLst>
+  </p:cSld>
+  <p:clrMapOvr>
+    <a:masterClrMapping/>
+  </p:clrMapOvr>
+</p:sld>
+</file>
+
+<file path=ppt/slides/slide4.xml><?xml version="1.0" encoding="utf-8"?>
+<p:sld xmlns:a="http://schemas.openxmlformats.org/drawingml/2006/main" xmlns:r="http://schemas.openxmlformats.org/officeDocument/2006/relationships" xmlns:p="http://schemas.openxmlformats.org/presentationml/2006/main">
+  <p:cSld>
+    <p:spTree>
+      <p:nvGrpSpPr>
+        <p:cNvPr id="1" name=""/>
+        <p:cNvGrpSpPr/>
+        <p:nvPr/>
+      </p:nvGrpSpPr>
+      <p:grpSpPr>
+        <a:xfrm>
+          <a:off x="0" y="0"/>
+          <a:ext cx="0" cy="0"/>
+          <a:chOff x="0" y="0"/>
+          <a:chExt cx="0" cy="0"/>
+        </a:xfrm>
+      </p:grpSpPr>
+      <p:sp>
+        <p:nvSpPr>
+          <p:cNvPr id="37" name="TextBox 36">
+            <a:extLst>
+              <a:ext uri="{FF2B5EF4-FFF2-40B4-BE49-F238E27FC236}">
+                <a16:creationId xmlns:a16="http://schemas.microsoft.com/office/drawing/2014/main" id="{8AE29008-8E8E-4637-9D00-31B87C63A982}"/>
+              </a:ext>
+            </a:extLst>
+          </p:cNvPr>
+          <p:cNvSpPr txBox="1"/>
+          <p:nvPr/>
+        </p:nvSpPr>
+        <p:spPr>
+          <a:xfrm>
+            <a:off x="319968" y="1709657"/>
+            <a:ext cx="1755609" cy="477054"/>
+          </a:xfrm>
+          <a:prstGeom prst="rect">
+            <a:avLst/>
+          </a:prstGeom>
+          <a:noFill/>
+        </p:spPr>
+        <p:txBody>
+          <a:bodyPr wrap="none" rtlCol="0">
+            <a:spAutoFit/>
+          </a:bodyPr>
+          <a:lstStyle/>
+          <a:p>
+            <a:r>
+              <a:rPr lang="en-US" altLang="ko-KR" sz="2500" dirty="0"/>
+              <a:t>1</a:t>
+            </a:r>
+            <a:r>
+              <a:rPr lang="ko-KR" altLang="en-US" sz="2500" dirty="0"/>
+              <a:t>번째 스택</a:t>
+            </a:r>
+          </a:p>
+        </p:txBody>
+      </p:sp>
+      <p:sp>
+        <p:nvSpPr>
+          <p:cNvPr id="38" name="TextBox 37">
+            <a:extLst>
+              <a:ext uri="{FF2B5EF4-FFF2-40B4-BE49-F238E27FC236}">
+                <a16:creationId xmlns:a16="http://schemas.microsoft.com/office/drawing/2014/main" id="{F0C58D40-1426-43AD-A309-5807A80DB95B}"/>
+              </a:ext>
+            </a:extLst>
+          </p:cNvPr>
+          <p:cNvSpPr txBox="1"/>
+          <p:nvPr/>
+        </p:nvSpPr>
+        <p:spPr>
+          <a:xfrm>
+            <a:off x="319968" y="2951946"/>
+            <a:ext cx="1755609" cy="477054"/>
+          </a:xfrm>
+          <a:prstGeom prst="rect">
+            <a:avLst/>
+          </a:prstGeom>
+          <a:noFill/>
+        </p:spPr>
+        <p:txBody>
+          <a:bodyPr wrap="none" rtlCol="0">
+            <a:spAutoFit/>
+          </a:bodyPr>
+          <a:lstStyle/>
+          <a:p>
+            <a:r>
+              <a:rPr lang="en-US" altLang="ko-KR" sz="2500" dirty="0"/>
+              <a:t>2</a:t>
+            </a:r>
+            <a:r>
+              <a:rPr lang="ko-KR" altLang="en-US" sz="2500" dirty="0"/>
+              <a:t>번째 스택</a:t>
+            </a:r>
+          </a:p>
+        </p:txBody>
+      </p:sp>
+      <p:sp>
+        <p:nvSpPr>
+          <p:cNvPr id="42" name="TextBox 41">
+            <a:extLst>
+              <a:ext uri="{FF2B5EF4-FFF2-40B4-BE49-F238E27FC236}">
+                <a16:creationId xmlns:a16="http://schemas.microsoft.com/office/drawing/2014/main" id="{33877378-7227-499F-9B40-B431B933841A}"/>
+              </a:ext>
+            </a:extLst>
+          </p:cNvPr>
+          <p:cNvSpPr txBox="1"/>
+          <p:nvPr/>
+        </p:nvSpPr>
+        <p:spPr>
+          <a:xfrm>
+            <a:off x="345170" y="4060312"/>
+            <a:ext cx="1755609" cy="477054"/>
+          </a:xfrm>
+          <a:prstGeom prst="rect">
+            <a:avLst/>
+          </a:prstGeom>
+          <a:noFill/>
+        </p:spPr>
+        <p:txBody>
+          <a:bodyPr wrap="none" rtlCol="0">
+            <a:spAutoFit/>
+          </a:bodyPr>
+          <a:lstStyle/>
+          <a:p>
+            <a:r>
+              <a:rPr lang="en-US" altLang="ko-KR" sz="2500" dirty="0"/>
+              <a:t>3</a:t>
+            </a:r>
+            <a:r>
+              <a:rPr lang="ko-KR" altLang="en-US" sz="2500" dirty="0"/>
+              <a:t>번째 스택</a:t>
+            </a:r>
+          </a:p>
+        </p:txBody>
+      </p:sp>
+      <p:sp>
+        <p:nvSpPr>
+          <p:cNvPr id="43" name="TextBox 42">
+            <a:extLst>
+              <a:ext uri="{FF2B5EF4-FFF2-40B4-BE49-F238E27FC236}">
+                <a16:creationId xmlns:a16="http://schemas.microsoft.com/office/drawing/2014/main" id="{2D5F2E00-A50D-422B-AF72-0C89D559322C}"/>
+              </a:ext>
+            </a:extLst>
+          </p:cNvPr>
+          <p:cNvSpPr txBox="1"/>
+          <p:nvPr/>
+        </p:nvSpPr>
+        <p:spPr>
+          <a:xfrm>
+            <a:off x="2670129" y="951362"/>
+            <a:ext cx="360996" cy="477054"/>
+          </a:xfrm>
+          <a:prstGeom prst="rect">
+            <a:avLst/>
+          </a:prstGeom>
+          <a:noFill/>
+        </p:spPr>
+        <p:txBody>
+          <a:bodyPr wrap="none" rtlCol="0">
+            <a:spAutoFit/>
+          </a:bodyPr>
+          <a:lstStyle/>
+          <a:p>
+            <a:r>
+              <a:rPr lang="en-US" altLang="ko-KR" sz="2500" dirty="0"/>
+              <a:t>1</a:t>
+            </a:r>
+            <a:endParaRPr lang="ko-KR" altLang="en-US" sz="2500" dirty="0"/>
+          </a:p>
+        </p:txBody>
+      </p:sp>
+      <p:sp>
+        <p:nvSpPr>
+          <p:cNvPr id="2" name="직사각형 1">
+            <a:extLst>
+              <a:ext uri="{FF2B5EF4-FFF2-40B4-BE49-F238E27FC236}">
+                <a16:creationId xmlns:a16="http://schemas.microsoft.com/office/drawing/2014/main" id="{718825A7-3AC6-41B9-9887-F42D2B2F42CA}"/>
+              </a:ext>
+            </a:extLst>
+          </p:cNvPr>
+          <p:cNvSpPr/>
+          <p:nvPr/>
+        </p:nvSpPr>
+        <p:spPr>
+          <a:xfrm>
+            <a:off x="2245998" y="1526792"/>
+            <a:ext cx="8084424" cy="861774"/>
+          </a:xfrm>
+          <a:prstGeom prst="rect">
+            <a:avLst/>
+          </a:prstGeom>
+          <a:noFill/>
+          <a:ln>
+            <a:solidFill>
+              <a:schemeClr val="tx1"/>
+            </a:solidFill>
+          </a:ln>
+        </p:spPr>
+        <p:style>
+          <a:lnRef idx="2">
+            <a:schemeClr val="accent1">
+              <a:shade val="50000"/>
+            </a:schemeClr>
+          </a:lnRef>
+          <a:fillRef idx="1">
+            <a:schemeClr val="accent1"/>
+          </a:fillRef>
+          <a:effectRef idx="0">
+            <a:schemeClr val="accent1"/>
+          </a:effectRef>
+          <a:fontRef idx="minor">
+            <a:schemeClr val="lt1"/>
+          </a:fontRef>
+        </p:style>
+        <p:txBody>
+          <a:bodyPr rtlCol="0" anchor="ctr"/>
+          <a:lstStyle/>
+          <a:p>
+            <a:pPr algn="ctr"/>
+            <a:endParaRPr lang="ko-KR" altLang="en-US"/>
+          </a:p>
+        </p:txBody>
+      </p:sp>
+      <p:cxnSp>
+        <p:nvCxnSpPr>
+          <p:cNvPr id="4" name="직선 연결선 3">
+            <a:extLst>
+              <a:ext uri="{FF2B5EF4-FFF2-40B4-BE49-F238E27FC236}">
+                <a16:creationId xmlns:a16="http://schemas.microsoft.com/office/drawing/2014/main" id="{6A647FD8-3D07-421E-B592-B6A021D427A3}"/>
+              </a:ext>
+            </a:extLst>
+          </p:cNvPr>
+          <p:cNvCxnSpPr/>
+          <p:nvPr/>
+        </p:nvCxnSpPr>
+        <p:spPr>
+          <a:xfrm>
+            <a:off x="6890333" y="1526792"/>
+            <a:ext cx="0" cy="861774"/>
+          </a:xfrm>
+          <a:prstGeom prst="line">
+            <a:avLst/>
+          </a:prstGeom>
+        </p:spPr>
+        <p:style>
+          <a:lnRef idx="1">
+            <a:schemeClr val="dk1"/>
+          </a:lnRef>
+          <a:fillRef idx="0">
+            <a:schemeClr val="dk1"/>
+          </a:fillRef>
+          <a:effectRef idx="0">
+            <a:schemeClr val="dk1"/>
+          </a:effectRef>
+          <a:fontRef idx="minor">
+            <a:schemeClr val="tx1"/>
+          </a:fontRef>
+        </p:style>
+      </p:cxnSp>
+      <p:cxnSp>
+        <p:nvCxnSpPr>
+          <p:cNvPr id="9" name="직선 연결선 8">
+            <a:extLst>
+              <a:ext uri="{FF2B5EF4-FFF2-40B4-BE49-F238E27FC236}">
+                <a16:creationId xmlns:a16="http://schemas.microsoft.com/office/drawing/2014/main" id="{157DC5C1-DE1A-4EDF-BCA8-0B95B212BD62}"/>
+              </a:ext>
+            </a:extLst>
+          </p:cNvPr>
+          <p:cNvCxnSpPr/>
+          <p:nvPr/>
+        </p:nvCxnSpPr>
+        <p:spPr>
+          <a:xfrm>
+            <a:off x="5717307" y="1526792"/>
+            <a:ext cx="0" cy="861774"/>
+          </a:xfrm>
+          <a:prstGeom prst="line">
+            <a:avLst/>
+          </a:prstGeom>
+        </p:spPr>
+        <p:style>
+          <a:lnRef idx="1">
+            <a:schemeClr val="dk1"/>
+          </a:lnRef>
+          <a:fillRef idx="0">
+            <a:schemeClr val="dk1"/>
+          </a:fillRef>
+          <a:effectRef idx="0">
+            <a:schemeClr val="dk1"/>
+          </a:effectRef>
+          <a:fontRef idx="minor">
+            <a:schemeClr val="tx1"/>
+          </a:fontRef>
+        </p:style>
+      </p:cxnSp>
+      <p:cxnSp>
+        <p:nvCxnSpPr>
+          <p:cNvPr id="11" name="직선 연결선 10">
+            <a:extLst>
+              <a:ext uri="{FF2B5EF4-FFF2-40B4-BE49-F238E27FC236}">
+                <a16:creationId xmlns:a16="http://schemas.microsoft.com/office/drawing/2014/main" id="{584555C4-6051-49C8-AF50-423E46F107B4}"/>
+              </a:ext>
+            </a:extLst>
+          </p:cNvPr>
+          <p:cNvCxnSpPr/>
+          <p:nvPr/>
+        </p:nvCxnSpPr>
+        <p:spPr>
+          <a:xfrm>
+            <a:off x="3455255" y="1526792"/>
+            <a:ext cx="0" cy="861774"/>
+          </a:xfrm>
+          <a:prstGeom prst="line">
+            <a:avLst/>
+          </a:prstGeom>
+        </p:spPr>
+        <p:style>
+          <a:lnRef idx="1">
+            <a:schemeClr val="dk1"/>
+          </a:lnRef>
+          <a:fillRef idx="0">
+            <a:schemeClr val="dk1"/>
+          </a:fillRef>
+          <a:effectRef idx="0">
+            <a:schemeClr val="dk1"/>
+          </a:effectRef>
+          <a:fontRef idx="minor">
+            <a:schemeClr val="tx1"/>
+          </a:fontRef>
+        </p:style>
+      </p:cxnSp>
+      <p:cxnSp>
+        <p:nvCxnSpPr>
+          <p:cNvPr id="14" name="직선 연결선 13">
+            <a:extLst>
+              <a:ext uri="{FF2B5EF4-FFF2-40B4-BE49-F238E27FC236}">
+                <a16:creationId xmlns:a16="http://schemas.microsoft.com/office/drawing/2014/main" id="{7C963AF0-5D04-4AF2-AB68-39CDB7662C1B}"/>
+              </a:ext>
+            </a:extLst>
+          </p:cNvPr>
+          <p:cNvCxnSpPr/>
+          <p:nvPr/>
+        </p:nvCxnSpPr>
+        <p:spPr>
+          <a:xfrm>
+            <a:off x="4608941" y="1526792"/>
+            <a:ext cx="0" cy="861774"/>
+          </a:xfrm>
+          <a:prstGeom prst="line">
+            <a:avLst/>
+          </a:prstGeom>
+        </p:spPr>
+        <p:style>
+          <a:lnRef idx="1">
+            <a:schemeClr val="dk1"/>
+          </a:lnRef>
+          <a:fillRef idx="0">
+            <a:schemeClr val="dk1"/>
+          </a:fillRef>
+          <a:effectRef idx="0">
+            <a:schemeClr val="dk1"/>
+          </a:effectRef>
+          <a:fontRef idx="minor">
+            <a:schemeClr val="tx1"/>
+          </a:fontRef>
+        </p:style>
+      </p:cxnSp>
+      <p:cxnSp>
+        <p:nvCxnSpPr>
+          <p:cNvPr id="16" name="직선 연결선 15">
+            <a:extLst>
+              <a:ext uri="{FF2B5EF4-FFF2-40B4-BE49-F238E27FC236}">
+                <a16:creationId xmlns:a16="http://schemas.microsoft.com/office/drawing/2014/main" id="{EC2ABC3E-31B5-4DE6-AFD5-9361403D3FB2}"/>
+              </a:ext>
+            </a:extLst>
+          </p:cNvPr>
+          <p:cNvCxnSpPr/>
+          <p:nvPr/>
+        </p:nvCxnSpPr>
+        <p:spPr>
+          <a:xfrm>
+            <a:off x="9171711" y="1526792"/>
+            <a:ext cx="0" cy="861774"/>
+          </a:xfrm>
+          <a:prstGeom prst="line">
+            <a:avLst/>
+          </a:prstGeom>
+        </p:spPr>
+        <p:style>
+          <a:lnRef idx="1">
+            <a:schemeClr val="dk1"/>
+          </a:lnRef>
+          <a:fillRef idx="0">
+            <a:schemeClr val="dk1"/>
+          </a:fillRef>
+          <a:effectRef idx="0">
+            <a:schemeClr val="dk1"/>
+          </a:effectRef>
+          <a:fontRef idx="minor">
+            <a:schemeClr val="tx1"/>
+          </a:fontRef>
+        </p:style>
+      </p:cxnSp>
+      <p:cxnSp>
+        <p:nvCxnSpPr>
+          <p:cNvPr id="20" name="직선 연결선 19">
+            <a:extLst>
+              <a:ext uri="{FF2B5EF4-FFF2-40B4-BE49-F238E27FC236}">
+                <a16:creationId xmlns:a16="http://schemas.microsoft.com/office/drawing/2014/main" id="{6EA1F525-CB98-44A4-BE1B-B5649188294C}"/>
+              </a:ext>
+            </a:extLst>
+          </p:cNvPr>
+          <p:cNvCxnSpPr/>
+          <p:nvPr/>
+        </p:nvCxnSpPr>
+        <p:spPr>
+          <a:xfrm>
+            <a:off x="7952513" y="1526792"/>
+            <a:ext cx="0" cy="861774"/>
+          </a:xfrm>
+          <a:prstGeom prst="line">
+            <a:avLst/>
+          </a:prstGeom>
+        </p:spPr>
+        <p:style>
+          <a:lnRef idx="1">
+            <a:schemeClr val="dk1"/>
+          </a:lnRef>
+          <a:fillRef idx="0">
+            <a:schemeClr val="dk1"/>
+          </a:fillRef>
+          <a:effectRef idx="0">
+            <a:schemeClr val="dk1"/>
+          </a:effectRef>
+          <a:fontRef idx="minor">
+            <a:schemeClr val="tx1"/>
+          </a:fontRef>
+        </p:style>
+      </p:cxnSp>
+      <p:sp>
+        <p:nvSpPr>
+          <p:cNvPr id="56" name="TextBox 55">
+            <a:extLst>
+              <a:ext uri="{FF2B5EF4-FFF2-40B4-BE49-F238E27FC236}">
+                <a16:creationId xmlns:a16="http://schemas.microsoft.com/office/drawing/2014/main" id="{C38E7938-24BA-4F36-B19B-4BCADD5A9939}"/>
+              </a:ext>
+            </a:extLst>
+          </p:cNvPr>
+          <p:cNvSpPr txBox="1"/>
+          <p:nvPr/>
+        </p:nvSpPr>
+        <p:spPr>
+          <a:xfrm>
+            <a:off x="2592383" y="1526792"/>
+            <a:ext cx="606256" cy="861774"/>
+          </a:xfrm>
+          <a:prstGeom prst="rect">
+            <a:avLst/>
+          </a:prstGeom>
+          <a:noFill/>
+        </p:spPr>
+        <p:txBody>
+          <a:bodyPr wrap="none" rtlCol="0">
+            <a:spAutoFit/>
+          </a:bodyPr>
+          <a:lstStyle/>
+          <a:p>
+            <a:r>
+              <a:rPr lang="en-US" altLang="ko-KR" sz="5000" dirty="0"/>
+              <a:t>A</a:t>
+            </a:r>
+            <a:endParaRPr lang="ko-KR" altLang="en-US" sz="5000" dirty="0"/>
+          </a:p>
+        </p:txBody>
+      </p:sp>
+      <p:sp>
+        <p:nvSpPr>
+          <p:cNvPr id="57" name="TextBox 56">
+            <a:extLst>
+              <a:ext uri="{FF2B5EF4-FFF2-40B4-BE49-F238E27FC236}">
+                <a16:creationId xmlns:a16="http://schemas.microsoft.com/office/drawing/2014/main" id="{BE63F4F7-7FBC-4AC4-88EA-3BE43443D5EC}"/>
+              </a:ext>
+            </a:extLst>
+          </p:cNvPr>
+          <p:cNvSpPr txBox="1"/>
+          <p:nvPr/>
+        </p:nvSpPr>
+        <p:spPr>
+          <a:xfrm>
+            <a:off x="3767509" y="1517297"/>
+            <a:ext cx="558166" cy="861774"/>
+          </a:xfrm>
+          <a:prstGeom prst="rect">
+            <a:avLst/>
+          </a:prstGeom>
+          <a:noFill/>
+        </p:spPr>
+        <p:txBody>
+          <a:bodyPr wrap="none" rtlCol="0">
+            <a:spAutoFit/>
+          </a:bodyPr>
+          <a:lstStyle/>
+          <a:p>
+            <a:r>
+              <a:rPr lang="en-US" altLang="ko-KR" sz="5000" dirty="0"/>
+              <a:t>B</a:t>
+            </a:r>
+            <a:endParaRPr lang="ko-KR" altLang="en-US" sz="5000" dirty="0"/>
+          </a:p>
+        </p:txBody>
+      </p:sp>
+      <p:sp>
+        <p:nvSpPr>
+          <p:cNvPr id="58" name="TextBox 57">
+            <a:extLst>
+              <a:ext uri="{FF2B5EF4-FFF2-40B4-BE49-F238E27FC236}">
+                <a16:creationId xmlns:a16="http://schemas.microsoft.com/office/drawing/2014/main" id="{AE9E3D66-81B3-414C-B204-887A83D3743A}"/>
+              </a:ext>
+            </a:extLst>
+          </p:cNvPr>
+          <p:cNvSpPr txBox="1"/>
+          <p:nvPr/>
+        </p:nvSpPr>
+        <p:spPr>
+          <a:xfrm>
+            <a:off x="4820537" y="1517297"/>
+            <a:ext cx="591829" cy="861774"/>
+          </a:xfrm>
+          <a:prstGeom prst="rect">
+            <a:avLst/>
+          </a:prstGeom>
+          <a:noFill/>
+        </p:spPr>
+        <p:txBody>
+          <a:bodyPr wrap="none" rtlCol="0">
+            <a:spAutoFit/>
+          </a:bodyPr>
+          <a:lstStyle/>
+          <a:p>
+            <a:r>
+              <a:rPr lang="en-US" altLang="ko-KR" sz="5000" dirty="0"/>
+              <a:t>C</a:t>
+            </a:r>
+            <a:endParaRPr lang="ko-KR" altLang="en-US" sz="5000" dirty="0"/>
+          </a:p>
+        </p:txBody>
+      </p:sp>
+      <p:sp>
+        <p:nvSpPr>
+          <p:cNvPr id="65" name="TextBox 64">
+            <a:extLst>
+              <a:ext uri="{FF2B5EF4-FFF2-40B4-BE49-F238E27FC236}">
+                <a16:creationId xmlns:a16="http://schemas.microsoft.com/office/drawing/2014/main" id="{DFA8CF41-30CE-4F82-9640-5A358A7FE688}"/>
+              </a:ext>
+            </a:extLst>
+          </p:cNvPr>
+          <p:cNvSpPr txBox="1"/>
+          <p:nvPr/>
+        </p:nvSpPr>
+        <p:spPr>
+          <a:xfrm>
+            <a:off x="5993554" y="1517297"/>
+            <a:ext cx="644728" cy="861774"/>
+          </a:xfrm>
+          <a:prstGeom prst="rect">
+            <a:avLst/>
+          </a:prstGeom>
+          <a:noFill/>
+        </p:spPr>
+        <p:txBody>
+          <a:bodyPr wrap="none" rtlCol="0">
+            <a:spAutoFit/>
+          </a:bodyPr>
+          <a:lstStyle/>
+          <a:p>
+            <a:r>
+              <a:rPr lang="en-US" altLang="ko-KR" sz="5000" dirty="0"/>
+              <a:t>D</a:t>
+            </a:r>
+            <a:endParaRPr lang="ko-KR" altLang="en-US" sz="5000" dirty="0"/>
+          </a:p>
+        </p:txBody>
+      </p:sp>
+      <p:sp>
+        <p:nvSpPr>
+          <p:cNvPr id="66" name="직사각형 65">
+            <a:extLst>
+              <a:ext uri="{FF2B5EF4-FFF2-40B4-BE49-F238E27FC236}">
+                <a16:creationId xmlns:a16="http://schemas.microsoft.com/office/drawing/2014/main" id="{C9F30E60-DC81-4CE2-AA7E-6AB51571930D}"/>
+              </a:ext>
+            </a:extLst>
+          </p:cNvPr>
+          <p:cNvSpPr/>
+          <p:nvPr/>
+        </p:nvSpPr>
+        <p:spPr>
+          <a:xfrm>
+            <a:off x="2245998" y="3905155"/>
+            <a:ext cx="8084424" cy="861774"/>
+          </a:xfrm>
+          <a:prstGeom prst="rect">
+            <a:avLst/>
+          </a:prstGeom>
+          <a:noFill/>
+          <a:ln>
+            <a:solidFill>
+              <a:schemeClr val="tx1"/>
+            </a:solidFill>
+          </a:ln>
+        </p:spPr>
+        <p:style>
+          <a:lnRef idx="2">
+            <a:schemeClr val="accent1">
+              <a:shade val="50000"/>
+            </a:schemeClr>
+          </a:lnRef>
+          <a:fillRef idx="1">
+            <a:schemeClr val="accent1"/>
+          </a:fillRef>
+          <a:effectRef idx="0">
+            <a:schemeClr val="accent1"/>
+          </a:effectRef>
+          <a:fontRef idx="minor">
+            <a:schemeClr val="lt1"/>
+          </a:fontRef>
+        </p:style>
+        <p:txBody>
+          <a:bodyPr rtlCol="0" anchor="ctr"/>
+          <a:lstStyle/>
+          <a:p>
+            <a:pPr algn="ctr"/>
+            <a:endParaRPr lang="ko-KR" altLang="en-US"/>
+          </a:p>
+        </p:txBody>
+      </p:sp>
+      <p:cxnSp>
+        <p:nvCxnSpPr>
+          <p:cNvPr id="67" name="직선 연결선 66">
+            <a:extLst>
+              <a:ext uri="{FF2B5EF4-FFF2-40B4-BE49-F238E27FC236}">
+                <a16:creationId xmlns:a16="http://schemas.microsoft.com/office/drawing/2014/main" id="{1CCEE18F-4397-413F-9690-B17C25D0E589}"/>
+              </a:ext>
+            </a:extLst>
+          </p:cNvPr>
+          <p:cNvCxnSpPr/>
+          <p:nvPr/>
+        </p:nvCxnSpPr>
+        <p:spPr>
+          <a:xfrm>
+            <a:off x="6890333" y="3905155"/>
+            <a:ext cx="0" cy="861774"/>
+          </a:xfrm>
+          <a:prstGeom prst="line">
+            <a:avLst/>
+          </a:prstGeom>
+        </p:spPr>
+        <p:style>
+          <a:lnRef idx="1">
+            <a:schemeClr val="dk1"/>
+          </a:lnRef>
+          <a:fillRef idx="0">
+            <a:schemeClr val="dk1"/>
+          </a:fillRef>
+          <a:effectRef idx="0">
+            <a:schemeClr val="dk1"/>
+          </a:effectRef>
+          <a:fontRef idx="minor">
+            <a:schemeClr val="tx1"/>
+          </a:fontRef>
+        </p:style>
+      </p:cxnSp>
+      <p:cxnSp>
+        <p:nvCxnSpPr>
+          <p:cNvPr id="71" name="직선 연결선 70">
+            <a:extLst>
+              <a:ext uri="{FF2B5EF4-FFF2-40B4-BE49-F238E27FC236}">
+                <a16:creationId xmlns:a16="http://schemas.microsoft.com/office/drawing/2014/main" id="{E5480BED-9BF9-43F0-ACAD-56025CEBDBB5}"/>
+              </a:ext>
+            </a:extLst>
+          </p:cNvPr>
+          <p:cNvCxnSpPr/>
+          <p:nvPr/>
+        </p:nvCxnSpPr>
+        <p:spPr>
+          <a:xfrm>
+            <a:off x="5717307" y="3905155"/>
+            <a:ext cx="0" cy="861774"/>
+          </a:xfrm>
+          <a:prstGeom prst="line">
+            <a:avLst/>
+          </a:prstGeom>
+        </p:spPr>
+        <p:style>
+          <a:lnRef idx="1">
+            <a:schemeClr val="dk1"/>
+          </a:lnRef>
+          <a:fillRef idx="0">
+            <a:schemeClr val="dk1"/>
+          </a:fillRef>
+          <a:effectRef idx="0">
+            <a:schemeClr val="dk1"/>
+          </a:effectRef>
+          <a:fontRef idx="minor">
+            <a:schemeClr val="tx1"/>
+          </a:fontRef>
+        </p:style>
+      </p:cxnSp>
+      <p:cxnSp>
+        <p:nvCxnSpPr>
+          <p:cNvPr id="85" name="직선 연결선 84">
+            <a:extLst>
+              <a:ext uri="{FF2B5EF4-FFF2-40B4-BE49-F238E27FC236}">
+                <a16:creationId xmlns:a16="http://schemas.microsoft.com/office/drawing/2014/main" id="{AAFE0D1A-715D-41D4-AB15-02199A07610A}"/>
+              </a:ext>
+            </a:extLst>
+          </p:cNvPr>
+          <p:cNvCxnSpPr/>
+          <p:nvPr/>
+        </p:nvCxnSpPr>
+        <p:spPr>
+          <a:xfrm>
+            <a:off x="3455255" y="3905155"/>
+            <a:ext cx="0" cy="861774"/>
+          </a:xfrm>
+          <a:prstGeom prst="line">
+            <a:avLst/>
+          </a:prstGeom>
+        </p:spPr>
+        <p:style>
+          <a:lnRef idx="1">
+            <a:schemeClr val="dk1"/>
+          </a:lnRef>
+          <a:fillRef idx="0">
+            <a:schemeClr val="dk1"/>
+          </a:fillRef>
+          <a:effectRef idx="0">
+            <a:schemeClr val="dk1"/>
+          </a:effectRef>
+          <a:fontRef idx="minor">
+            <a:schemeClr val="tx1"/>
+          </a:fontRef>
+        </p:style>
+      </p:cxnSp>
+      <p:cxnSp>
+        <p:nvCxnSpPr>
+          <p:cNvPr id="87" name="직선 연결선 86">
+            <a:extLst>
+              <a:ext uri="{FF2B5EF4-FFF2-40B4-BE49-F238E27FC236}">
+                <a16:creationId xmlns:a16="http://schemas.microsoft.com/office/drawing/2014/main" id="{42B4D81C-594C-42F7-91D3-A6BDE487E75E}"/>
+              </a:ext>
+            </a:extLst>
+          </p:cNvPr>
+          <p:cNvCxnSpPr/>
+          <p:nvPr/>
+        </p:nvCxnSpPr>
+        <p:spPr>
+          <a:xfrm>
+            <a:off x="4608941" y="3905155"/>
+            <a:ext cx="0" cy="861774"/>
+          </a:xfrm>
+          <a:prstGeom prst="line">
+            <a:avLst/>
+          </a:prstGeom>
+        </p:spPr>
+        <p:style>
+          <a:lnRef idx="1">
+            <a:schemeClr val="dk1"/>
+          </a:lnRef>
+          <a:fillRef idx="0">
+            <a:schemeClr val="dk1"/>
+          </a:fillRef>
+          <a:effectRef idx="0">
+            <a:schemeClr val="dk1"/>
+          </a:effectRef>
+          <a:fontRef idx="minor">
+            <a:schemeClr val="tx1"/>
+          </a:fontRef>
+        </p:style>
+      </p:cxnSp>
+      <p:cxnSp>
+        <p:nvCxnSpPr>
+          <p:cNvPr id="88" name="직선 연결선 87">
+            <a:extLst>
+              <a:ext uri="{FF2B5EF4-FFF2-40B4-BE49-F238E27FC236}">
+                <a16:creationId xmlns:a16="http://schemas.microsoft.com/office/drawing/2014/main" id="{FA9586DA-D7EE-4832-9BE4-F58CB1EFFD66}"/>
+              </a:ext>
+            </a:extLst>
+          </p:cNvPr>
+          <p:cNvCxnSpPr/>
+          <p:nvPr/>
+        </p:nvCxnSpPr>
+        <p:spPr>
+          <a:xfrm>
+            <a:off x="9171711" y="3905155"/>
+            <a:ext cx="0" cy="861774"/>
+          </a:xfrm>
+          <a:prstGeom prst="line">
+            <a:avLst/>
+          </a:prstGeom>
+        </p:spPr>
+        <p:style>
+          <a:lnRef idx="1">
+            <a:schemeClr val="dk1"/>
+          </a:lnRef>
+          <a:fillRef idx="0">
+            <a:schemeClr val="dk1"/>
+          </a:fillRef>
+          <a:effectRef idx="0">
+            <a:schemeClr val="dk1"/>
+          </a:effectRef>
+          <a:fontRef idx="minor">
+            <a:schemeClr val="tx1"/>
+          </a:fontRef>
+        </p:style>
+      </p:cxnSp>
+      <p:cxnSp>
+        <p:nvCxnSpPr>
+          <p:cNvPr id="89" name="직선 연결선 88">
+            <a:extLst>
+              <a:ext uri="{FF2B5EF4-FFF2-40B4-BE49-F238E27FC236}">
+                <a16:creationId xmlns:a16="http://schemas.microsoft.com/office/drawing/2014/main" id="{5737147C-EACA-4484-B585-D709BA4AB376}"/>
+              </a:ext>
+            </a:extLst>
+          </p:cNvPr>
+          <p:cNvCxnSpPr/>
+          <p:nvPr/>
+        </p:nvCxnSpPr>
+        <p:spPr>
+          <a:xfrm>
+            <a:off x="7952513" y="3905155"/>
+            <a:ext cx="0" cy="861774"/>
+          </a:xfrm>
+          <a:prstGeom prst="line">
+            <a:avLst/>
+          </a:prstGeom>
+        </p:spPr>
+        <p:style>
+          <a:lnRef idx="1">
+            <a:schemeClr val="dk1"/>
+          </a:lnRef>
+          <a:fillRef idx="0">
+            <a:schemeClr val="dk1"/>
+          </a:fillRef>
+          <a:effectRef idx="0">
+            <a:schemeClr val="dk1"/>
+          </a:effectRef>
+          <a:fontRef idx="minor">
+            <a:schemeClr val="tx1"/>
+          </a:fontRef>
+        </p:style>
+      </p:cxnSp>
+      <p:sp>
+        <p:nvSpPr>
+          <p:cNvPr id="90" name="TextBox 89">
+            <a:extLst>
+              <a:ext uri="{FF2B5EF4-FFF2-40B4-BE49-F238E27FC236}">
+                <a16:creationId xmlns:a16="http://schemas.microsoft.com/office/drawing/2014/main" id="{3A4F6A63-5805-48A5-BF47-F1BD97E8EF57}"/>
+              </a:ext>
+            </a:extLst>
+          </p:cNvPr>
+          <p:cNvSpPr txBox="1"/>
+          <p:nvPr/>
+        </p:nvSpPr>
+        <p:spPr>
+          <a:xfrm>
+            <a:off x="2592383" y="3905155"/>
+            <a:ext cx="562975" cy="861774"/>
+          </a:xfrm>
+          <a:prstGeom prst="rect">
+            <a:avLst/>
+          </a:prstGeom>
+          <a:noFill/>
+        </p:spPr>
+        <p:txBody>
+          <a:bodyPr wrap="none" rtlCol="0">
+            <a:spAutoFit/>
+          </a:bodyPr>
+          <a:lstStyle/>
+          <a:p>
+            <a:r>
+              <a:rPr lang="en-US" altLang="ko-KR" sz="5000" dirty="0"/>
+              <a:t>K</a:t>
+            </a:r>
+            <a:endParaRPr lang="ko-KR" altLang="en-US" sz="5000" dirty="0"/>
+          </a:p>
+        </p:txBody>
+      </p:sp>
+      <p:sp>
+        <p:nvSpPr>
+          <p:cNvPr id="91" name="TextBox 90">
+            <a:extLst>
+              <a:ext uri="{FF2B5EF4-FFF2-40B4-BE49-F238E27FC236}">
+                <a16:creationId xmlns:a16="http://schemas.microsoft.com/office/drawing/2014/main" id="{6CF81B83-0C65-4A9E-9D9E-37E40AB97B84}"/>
+              </a:ext>
+            </a:extLst>
+          </p:cNvPr>
+          <p:cNvSpPr txBox="1"/>
+          <p:nvPr/>
+        </p:nvSpPr>
+        <p:spPr>
+          <a:xfrm>
+            <a:off x="3767509" y="3895660"/>
+            <a:ext cx="492443" cy="861774"/>
+          </a:xfrm>
+          <a:prstGeom prst="rect">
+            <a:avLst/>
+          </a:prstGeom>
+          <a:noFill/>
+        </p:spPr>
+        <p:txBody>
+          <a:bodyPr wrap="none" rtlCol="0">
+            <a:spAutoFit/>
+          </a:bodyPr>
+          <a:lstStyle/>
+          <a:p>
+            <a:r>
+              <a:rPr lang="en-US" altLang="ko-KR" sz="5000" dirty="0"/>
+              <a:t>L</a:t>
+            </a:r>
+            <a:endParaRPr lang="ko-KR" altLang="en-US" sz="5000" dirty="0"/>
+          </a:p>
+        </p:txBody>
+      </p:sp>
+      <p:sp>
+        <p:nvSpPr>
+          <p:cNvPr id="92" name="TextBox 91">
+            <a:extLst>
+              <a:ext uri="{FF2B5EF4-FFF2-40B4-BE49-F238E27FC236}">
+                <a16:creationId xmlns:a16="http://schemas.microsoft.com/office/drawing/2014/main" id="{2D60EE09-C787-414E-8102-939E7A23792E}"/>
+              </a:ext>
+            </a:extLst>
+          </p:cNvPr>
+          <p:cNvSpPr txBox="1"/>
+          <p:nvPr/>
+        </p:nvSpPr>
+        <p:spPr>
+          <a:xfrm>
+            <a:off x="4779390" y="3914650"/>
+            <a:ext cx="772969" cy="861774"/>
+          </a:xfrm>
+          <a:prstGeom prst="rect">
+            <a:avLst/>
+          </a:prstGeom>
+          <a:noFill/>
+        </p:spPr>
+        <p:txBody>
+          <a:bodyPr wrap="none" rtlCol="0">
+            <a:spAutoFit/>
+          </a:bodyPr>
+          <a:lstStyle/>
+          <a:p>
+            <a:r>
+              <a:rPr lang="en-US" altLang="ko-KR" sz="5000" dirty="0"/>
+              <a:t>M</a:t>
+            </a:r>
+            <a:endParaRPr lang="ko-KR" altLang="en-US" sz="5000" dirty="0"/>
+          </a:p>
+        </p:txBody>
+      </p:sp>
+      <p:sp>
+        <p:nvSpPr>
+          <p:cNvPr id="94" name="직사각형 93">
+            <a:extLst>
+              <a:ext uri="{FF2B5EF4-FFF2-40B4-BE49-F238E27FC236}">
+                <a16:creationId xmlns:a16="http://schemas.microsoft.com/office/drawing/2014/main" id="{9B1AD14F-0866-4960-B1D2-CE1EC9F617BD}"/>
+              </a:ext>
+            </a:extLst>
+          </p:cNvPr>
+          <p:cNvSpPr/>
+          <p:nvPr/>
+        </p:nvSpPr>
+        <p:spPr>
+          <a:xfrm>
+            <a:off x="2245998" y="2706478"/>
+            <a:ext cx="8084424" cy="861774"/>
+          </a:xfrm>
+          <a:prstGeom prst="rect">
+            <a:avLst/>
+          </a:prstGeom>
+          <a:noFill/>
+          <a:ln>
+            <a:solidFill>
+              <a:schemeClr val="tx1"/>
+            </a:solidFill>
+          </a:ln>
+        </p:spPr>
+        <p:style>
+          <a:lnRef idx="2">
+            <a:schemeClr val="accent1">
+              <a:shade val="50000"/>
+            </a:schemeClr>
+          </a:lnRef>
+          <a:fillRef idx="1">
+            <a:schemeClr val="accent1"/>
+          </a:fillRef>
+          <a:effectRef idx="0">
+            <a:schemeClr val="accent1"/>
+          </a:effectRef>
+          <a:fontRef idx="minor">
+            <a:schemeClr val="lt1"/>
+          </a:fontRef>
+        </p:style>
+        <p:txBody>
+          <a:bodyPr rtlCol="0" anchor="ctr"/>
+          <a:lstStyle/>
+          <a:p>
+            <a:pPr algn="ctr"/>
+            <a:endParaRPr lang="ko-KR" altLang="en-US"/>
+          </a:p>
+        </p:txBody>
+      </p:sp>
+      <p:cxnSp>
+        <p:nvCxnSpPr>
+          <p:cNvPr id="95" name="직선 연결선 94">
+            <a:extLst>
+              <a:ext uri="{FF2B5EF4-FFF2-40B4-BE49-F238E27FC236}">
+                <a16:creationId xmlns:a16="http://schemas.microsoft.com/office/drawing/2014/main" id="{8920BEC8-95E9-46BD-A704-C76CD3974CEC}"/>
+              </a:ext>
+            </a:extLst>
+          </p:cNvPr>
+          <p:cNvCxnSpPr/>
+          <p:nvPr/>
+        </p:nvCxnSpPr>
+        <p:spPr>
+          <a:xfrm>
+            <a:off x="6890333" y="2706478"/>
+            <a:ext cx="0" cy="861774"/>
+          </a:xfrm>
+          <a:prstGeom prst="line">
+            <a:avLst/>
+          </a:prstGeom>
+        </p:spPr>
+        <p:style>
+          <a:lnRef idx="1">
+            <a:schemeClr val="dk1"/>
+          </a:lnRef>
+          <a:fillRef idx="0">
+            <a:schemeClr val="dk1"/>
+          </a:fillRef>
+          <a:effectRef idx="0">
+            <a:schemeClr val="dk1"/>
+          </a:effectRef>
+          <a:fontRef idx="minor">
+            <a:schemeClr val="tx1"/>
+          </a:fontRef>
+        </p:style>
+      </p:cxnSp>
+      <p:cxnSp>
+        <p:nvCxnSpPr>
+          <p:cNvPr id="96" name="직선 연결선 95">
+            <a:extLst>
+              <a:ext uri="{FF2B5EF4-FFF2-40B4-BE49-F238E27FC236}">
+                <a16:creationId xmlns:a16="http://schemas.microsoft.com/office/drawing/2014/main" id="{8A1D94D7-394C-423A-81C1-2295865BF697}"/>
+              </a:ext>
+            </a:extLst>
+          </p:cNvPr>
+          <p:cNvCxnSpPr/>
+          <p:nvPr/>
+        </p:nvCxnSpPr>
+        <p:spPr>
+          <a:xfrm>
+            <a:off x="5717307" y="2706478"/>
+            <a:ext cx="0" cy="861774"/>
+          </a:xfrm>
+          <a:prstGeom prst="line">
+            <a:avLst/>
+          </a:prstGeom>
+        </p:spPr>
+        <p:style>
+          <a:lnRef idx="1">
+            <a:schemeClr val="dk1"/>
+          </a:lnRef>
+          <a:fillRef idx="0">
+            <a:schemeClr val="dk1"/>
+          </a:fillRef>
+          <a:effectRef idx="0">
+            <a:schemeClr val="dk1"/>
+          </a:effectRef>
+          <a:fontRef idx="minor">
+            <a:schemeClr val="tx1"/>
+          </a:fontRef>
+        </p:style>
+      </p:cxnSp>
+      <p:cxnSp>
+        <p:nvCxnSpPr>
+          <p:cNvPr id="97" name="직선 연결선 96">
+            <a:extLst>
+              <a:ext uri="{FF2B5EF4-FFF2-40B4-BE49-F238E27FC236}">
+                <a16:creationId xmlns:a16="http://schemas.microsoft.com/office/drawing/2014/main" id="{31785D1C-A65B-4F13-90AF-ED7CCFC349D7}"/>
+              </a:ext>
+            </a:extLst>
+          </p:cNvPr>
+          <p:cNvCxnSpPr/>
+          <p:nvPr/>
+        </p:nvCxnSpPr>
+        <p:spPr>
+          <a:xfrm>
+            <a:off x="3455255" y="2706478"/>
+            <a:ext cx="0" cy="861774"/>
+          </a:xfrm>
+          <a:prstGeom prst="line">
+            <a:avLst/>
+          </a:prstGeom>
+        </p:spPr>
+        <p:style>
+          <a:lnRef idx="1">
+            <a:schemeClr val="dk1"/>
+          </a:lnRef>
+          <a:fillRef idx="0">
+            <a:schemeClr val="dk1"/>
+          </a:fillRef>
+          <a:effectRef idx="0">
+            <a:schemeClr val="dk1"/>
+          </a:effectRef>
+          <a:fontRef idx="minor">
+            <a:schemeClr val="tx1"/>
+          </a:fontRef>
+        </p:style>
+      </p:cxnSp>
+      <p:cxnSp>
+        <p:nvCxnSpPr>
+          <p:cNvPr id="98" name="직선 연결선 97">
+            <a:extLst>
+              <a:ext uri="{FF2B5EF4-FFF2-40B4-BE49-F238E27FC236}">
+                <a16:creationId xmlns:a16="http://schemas.microsoft.com/office/drawing/2014/main" id="{9CDEE7D2-F1C2-4F8E-A3AC-970471BBCAB0}"/>
+              </a:ext>
+            </a:extLst>
+          </p:cNvPr>
+          <p:cNvCxnSpPr/>
+          <p:nvPr/>
+        </p:nvCxnSpPr>
+        <p:spPr>
+          <a:xfrm>
+            <a:off x="4608941" y="2706478"/>
+            <a:ext cx="0" cy="861774"/>
+          </a:xfrm>
+          <a:prstGeom prst="line">
+            <a:avLst/>
+          </a:prstGeom>
+        </p:spPr>
+        <p:style>
+          <a:lnRef idx="1">
+            <a:schemeClr val="dk1"/>
+          </a:lnRef>
+          <a:fillRef idx="0">
+            <a:schemeClr val="dk1"/>
+          </a:fillRef>
+          <a:effectRef idx="0">
+            <a:schemeClr val="dk1"/>
+          </a:effectRef>
+          <a:fontRef idx="minor">
+            <a:schemeClr val="tx1"/>
+          </a:fontRef>
+        </p:style>
+      </p:cxnSp>
+      <p:cxnSp>
+        <p:nvCxnSpPr>
+          <p:cNvPr id="99" name="직선 연결선 98">
+            <a:extLst>
+              <a:ext uri="{FF2B5EF4-FFF2-40B4-BE49-F238E27FC236}">
+                <a16:creationId xmlns:a16="http://schemas.microsoft.com/office/drawing/2014/main" id="{900BCACA-8A75-480E-877B-CEEE68E1259F}"/>
+              </a:ext>
+            </a:extLst>
+          </p:cNvPr>
+          <p:cNvCxnSpPr/>
+          <p:nvPr/>
+        </p:nvCxnSpPr>
+        <p:spPr>
+          <a:xfrm>
+            <a:off x="9171711" y="2706478"/>
+            <a:ext cx="0" cy="861774"/>
+          </a:xfrm>
+          <a:prstGeom prst="line">
+            <a:avLst/>
+          </a:prstGeom>
+        </p:spPr>
+        <p:style>
+          <a:lnRef idx="1">
+            <a:schemeClr val="dk1"/>
+          </a:lnRef>
+          <a:fillRef idx="0">
+            <a:schemeClr val="dk1"/>
+          </a:fillRef>
+          <a:effectRef idx="0">
+            <a:schemeClr val="dk1"/>
+          </a:effectRef>
+          <a:fontRef idx="minor">
+            <a:schemeClr val="tx1"/>
+          </a:fontRef>
+        </p:style>
+      </p:cxnSp>
+      <p:cxnSp>
+        <p:nvCxnSpPr>
+          <p:cNvPr id="100" name="직선 연결선 99">
+            <a:extLst>
+              <a:ext uri="{FF2B5EF4-FFF2-40B4-BE49-F238E27FC236}">
+                <a16:creationId xmlns:a16="http://schemas.microsoft.com/office/drawing/2014/main" id="{6BFB85E5-234A-4DAC-B38A-90FC8190B825}"/>
+              </a:ext>
+            </a:extLst>
+          </p:cNvPr>
+          <p:cNvCxnSpPr/>
+          <p:nvPr/>
+        </p:nvCxnSpPr>
+        <p:spPr>
+          <a:xfrm>
+            <a:off x="7952513" y="2706478"/>
+            <a:ext cx="0" cy="861774"/>
+          </a:xfrm>
+          <a:prstGeom prst="line">
+            <a:avLst/>
+          </a:prstGeom>
+        </p:spPr>
+        <p:style>
+          <a:lnRef idx="1">
+            <a:schemeClr val="dk1"/>
+          </a:lnRef>
+          <a:fillRef idx="0">
+            <a:schemeClr val="dk1"/>
+          </a:fillRef>
+          <a:effectRef idx="0">
+            <a:schemeClr val="dk1"/>
+          </a:effectRef>
+          <a:fontRef idx="minor">
+            <a:schemeClr val="tx1"/>
+          </a:fontRef>
+        </p:style>
+      </p:cxnSp>
+      <p:sp>
+        <p:nvSpPr>
+          <p:cNvPr id="101" name="TextBox 100">
+            <a:extLst>
+              <a:ext uri="{FF2B5EF4-FFF2-40B4-BE49-F238E27FC236}">
+                <a16:creationId xmlns:a16="http://schemas.microsoft.com/office/drawing/2014/main" id="{CB71FB74-1D20-4852-9310-E4C7320312CB}"/>
+              </a:ext>
+            </a:extLst>
+          </p:cNvPr>
+          <p:cNvSpPr txBox="1"/>
+          <p:nvPr/>
+        </p:nvSpPr>
+        <p:spPr>
+          <a:xfrm>
+            <a:off x="2592383" y="2706478"/>
+            <a:ext cx="516488" cy="861774"/>
+          </a:xfrm>
+          <a:prstGeom prst="rect">
+            <a:avLst/>
+          </a:prstGeom>
+          <a:noFill/>
+        </p:spPr>
+        <p:txBody>
+          <a:bodyPr wrap="none" rtlCol="0">
+            <a:spAutoFit/>
+          </a:bodyPr>
+          <a:lstStyle/>
+          <a:p>
+            <a:r>
+              <a:rPr lang="en-US" altLang="ko-KR" sz="5000" dirty="0"/>
+              <a:t>E</a:t>
+            </a:r>
+            <a:endParaRPr lang="ko-KR" altLang="en-US" sz="5000" dirty="0"/>
+          </a:p>
+        </p:txBody>
+      </p:sp>
+      <p:sp>
+        <p:nvSpPr>
+          <p:cNvPr id="102" name="TextBox 101">
+            <a:extLst>
+              <a:ext uri="{FF2B5EF4-FFF2-40B4-BE49-F238E27FC236}">
+                <a16:creationId xmlns:a16="http://schemas.microsoft.com/office/drawing/2014/main" id="{0116381E-A45A-4510-B4A6-82942DD0F745}"/>
+              </a:ext>
+            </a:extLst>
+          </p:cNvPr>
+          <p:cNvSpPr txBox="1"/>
+          <p:nvPr/>
+        </p:nvSpPr>
+        <p:spPr>
+          <a:xfrm>
+            <a:off x="3767509" y="2696983"/>
+            <a:ext cx="503664" cy="861774"/>
+          </a:xfrm>
+          <a:prstGeom prst="rect">
+            <a:avLst/>
+          </a:prstGeom>
+          <a:noFill/>
+        </p:spPr>
+        <p:txBody>
+          <a:bodyPr wrap="none" rtlCol="0">
+            <a:spAutoFit/>
+          </a:bodyPr>
+          <a:lstStyle/>
+          <a:p>
+            <a:r>
+              <a:rPr lang="en-US" altLang="ko-KR" sz="5000" dirty="0"/>
+              <a:t>F</a:t>
+            </a:r>
+            <a:endParaRPr lang="ko-KR" altLang="en-US" sz="5000" dirty="0"/>
+          </a:p>
+        </p:txBody>
+      </p:sp>
+      <p:sp>
+        <p:nvSpPr>
+          <p:cNvPr id="103" name="TextBox 102">
+            <a:extLst>
+              <a:ext uri="{FF2B5EF4-FFF2-40B4-BE49-F238E27FC236}">
+                <a16:creationId xmlns:a16="http://schemas.microsoft.com/office/drawing/2014/main" id="{9F3B16DC-3C14-42AA-8A87-5042C68CDCFE}"/>
+              </a:ext>
+            </a:extLst>
+          </p:cNvPr>
+          <p:cNvSpPr txBox="1"/>
+          <p:nvPr/>
+        </p:nvSpPr>
+        <p:spPr>
+          <a:xfrm>
+            <a:off x="4820537" y="2696983"/>
+            <a:ext cx="635110" cy="861774"/>
+          </a:xfrm>
+          <a:prstGeom prst="rect">
+            <a:avLst/>
+          </a:prstGeom>
+          <a:noFill/>
+        </p:spPr>
+        <p:txBody>
+          <a:bodyPr wrap="none" rtlCol="0">
+            <a:spAutoFit/>
+          </a:bodyPr>
+          <a:lstStyle/>
+          <a:p>
+            <a:r>
+              <a:rPr lang="en-US" altLang="ko-KR" sz="5000" dirty="0"/>
+              <a:t>G</a:t>
+            </a:r>
+            <a:endParaRPr lang="ko-KR" altLang="en-US" sz="5000" dirty="0"/>
+          </a:p>
+        </p:txBody>
+      </p:sp>
+      <p:sp>
+        <p:nvSpPr>
+          <p:cNvPr id="104" name="TextBox 103">
+            <a:extLst>
+              <a:ext uri="{FF2B5EF4-FFF2-40B4-BE49-F238E27FC236}">
+                <a16:creationId xmlns:a16="http://schemas.microsoft.com/office/drawing/2014/main" id="{F6E689DC-84A9-43D6-8307-D6D1EA7C89D2}"/>
+              </a:ext>
+            </a:extLst>
+          </p:cNvPr>
+          <p:cNvSpPr txBox="1"/>
+          <p:nvPr/>
+        </p:nvSpPr>
+        <p:spPr>
+          <a:xfrm>
+            <a:off x="5984318" y="2696983"/>
+            <a:ext cx="644728" cy="861774"/>
+          </a:xfrm>
+          <a:prstGeom prst="rect">
+            <a:avLst/>
+          </a:prstGeom>
+          <a:noFill/>
+        </p:spPr>
+        <p:txBody>
+          <a:bodyPr wrap="none" rtlCol="0">
+            <a:spAutoFit/>
+          </a:bodyPr>
+          <a:lstStyle/>
+          <a:p>
+            <a:r>
+              <a:rPr lang="en-US" altLang="ko-KR" sz="5000" dirty="0"/>
+              <a:t>H</a:t>
+            </a:r>
+            <a:endParaRPr lang="ko-KR" altLang="en-US" sz="5000" dirty="0"/>
+          </a:p>
+        </p:txBody>
+      </p:sp>
+      <p:sp>
+        <p:nvSpPr>
+          <p:cNvPr id="105" name="TextBox 104">
+            <a:extLst>
+              <a:ext uri="{FF2B5EF4-FFF2-40B4-BE49-F238E27FC236}">
+                <a16:creationId xmlns:a16="http://schemas.microsoft.com/office/drawing/2014/main" id="{7AB806AF-2E34-408C-8FD0-86572664D2F3}"/>
+              </a:ext>
+            </a:extLst>
+          </p:cNvPr>
+          <p:cNvSpPr txBox="1"/>
+          <p:nvPr/>
+        </p:nvSpPr>
+        <p:spPr>
+          <a:xfrm>
+            <a:off x="7234755" y="2696983"/>
+            <a:ext cx="357790" cy="861774"/>
+          </a:xfrm>
+          <a:prstGeom prst="rect">
+            <a:avLst/>
+          </a:prstGeom>
+          <a:noFill/>
+        </p:spPr>
+        <p:txBody>
+          <a:bodyPr wrap="none" rtlCol="0">
+            <a:spAutoFit/>
+          </a:bodyPr>
+          <a:lstStyle/>
+          <a:p>
+            <a:r>
+              <a:rPr lang="en-US" altLang="ko-KR" sz="5000" dirty="0"/>
+              <a:t>I</a:t>
+            </a:r>
+            <a:endParaRPr lang="ko-KR" altLang="en-US" sz="5000" dirty="0"/>
+          </a:p>
+        </p:txBody>
+      </p:sp>
+      <p:sp>
+        <p:nvSpPr>
+          <p:cNvPr id="106" name="TextBox 105">
+            <a:extLst>
+              <a:ext uri="{FF2B5EF4-FFF2-40B4-BE49-F238E27FC236}">
+                <a16:creationId xmlns:a16="http://schemas.microsoft.com/office/drawing/2014/main" id="{861E4519-CA37-48A4-9C8D-64721E4D4172}"/>
+              </a:ext>
+            </a:extLst>
+          </p:cNvPr>
+          <p:cNvSpPr txBox="1"/>
+          <p:nvPr/>
+        </p:nvSpPr>
+        <p:spPr>
+          <a:xfrm>
+            <a:off x="8370910" y="2696983"/>
+            <a:ext cx="415498" cy="861774"/>
+          </a:xfrm>
+          <a:prstGeom prst="rect">
+            <a:avLst/>
+          </a:prstGeom>
+          <a:noFill/>
+        </p:spPr>
+        <p:txBody>
+          <a:bodyPr wrap="none" rtlCol="0">
+            <a:spAutoFit/>
+          </a:bodyPr>
+          <a:lstStyle/>
+          <a:p>
+            <a:r>
+              <a:rPr lang="en-US" altLang="ko-KR" sz="5000" dirty="0"/>
+              <a:t>J</a:t>
+            </a:r>
+            <a:endParaRPr lang="ko-KR" altLang="en-US" sz="5000" dirty="0"/>
+          </a:p>
+        </p:txBody>
+      </p:sp>
+      <p:sp>
+        <p:nvSpPr>
+          <p:cNvPr id="108" name="TextBox 107">
+            <a:extLst>
+              <a:ext uri="{FF2B5EF4-FFF2-40B4-BE49-F238E27FC236}">
+                <a16:creationId xmlns:a16="http://schemas.microsoft.com/office/drawing/2014/main" id="{532DB28D-5BEE-4CB9-9DF5-BB117EF67007}"/>
+              </a:ext>
+            </a:extLst>
+          </p:cNvPr>
+          <p:cNvSpPr txBox="1"/>
+          <p:nvPr/>
+        </p:nvSpPr>
+        <p:spPr>
+          <a:xfrm>
+            <a:off x="3866094" y="951362"/>
+            <a:ext cx="360996" cy="477054"/>
+          </a:xfrm>
+          <a:prstGeom prst="rect">
+            <a:avLst/>
+          </a:prstGeom>
+          <a:noFill/>
+        </p:spPr>
+        <p:txBody>
+          <a:bodyPr wrap="none" rtlCol="0">
+            <a:spAutoFit/>
+          </a:bodyPr>
+          <a:lstStyle/>
+          <a:p>
+            <a:r>
+              <a:rPr lang="en-US" altLang="ko-KR" sz="2500" dirty="0"/>
+              <a:t>2</a:t>
+            </a:r>
+            <a:endParaRPr lang="ko-KR" altLang="en-US" sz="2500" dirty="0"/>
+          </a:p>
+        </p:txBody>
+      </p:sp>
+      <p:sp>
+        <p:nvSpPr>
+          <p:cNvPr id="109" name="TextBox 108">
+            <a:extLst>
+              <a:ext uri="{FF2B5EF4-FFF2-40B4-BE49-F238E27FC236}">
+                <a16:creationId xmlns:a16="http://schemas.microsoft.com/office/drawing/2014/main" id="{0A636FB4-8746-4B58-9942-26F0966BDCED}"/>
+              </a:ext>
+            </a:extLst>
+          </p:cNvPr>
+          <p:cNvSpPr txBox="1"/>
+          <p:nvPr/>
+        </p:nvSpPr>
+        <p:spPr>
+          <a:xfrm>
+            <a:off x="4966125" y="951362"/>
+            <a:ext cx="381026" cy="477054"/>
+          </a:xfrm>
+          <a:prstGeom prst="rect">
+            <a:avLst/>
+          </a:prstGeom>
+          <a:noFill/>
+        </p:spPr>
+        <p:txBody>
+          <a:bodyPr wrap="square" rtlCol="0">
+            <a:spAutoFit/>
+          </a:bodyPr>
+          <a:lstStyle/>
+          <a:p>
+            <a:r>
+              <a:rPr lang="en-US" altLang="ko-KR" sz="2500" dirty="0"/>
+              <a:t>3</a:t>
+            </a:r>
+            <a:endParaRPr lang="ko-KR" altLang="en-US" sz="2500" dirty="0"/>
+          </a:p>
+        </p:txBody>
+      </p:sp>
+      <p:sp>
+        <p:nvSpPr>
+          <p:cNvPr id="110" name="TextBox 109">
+            <a:extLst>
+              <a:ext uri="{FF2B5EF4-FFF2-40B4-BE49-F238E27FC236}">
+                <a16:creationId xmlns:a16="http://schemas.microsoft.com/office/drawing/2014/main" id="{1ACD6C9D-3B49-4111-AAFB-D767376250CD}"/>
+              </a:ext>
+            </a:extLst>
+          </p:cNvPr>
+          <p:cNvSpPr txBox="1"/>
+          <p:nvPr/>
+        </p:nvSpPr>
+        <p:spPr>
+          <a:xfrm>
+            <a:off x="6116169" y="950278"/>
+            <a:ext cx="381026" cy="477054"/>
+          </a:xfrm>
+          <a:prstGeom prst="rect">
+            <a:avLst/>
+          </a:prstGeom>
+          <a:noFill/>
+        </p:spPr>
+        <p:txBody>
+          <a:bodyPr wrap="square" rtlCol="0">
+            <a:spAutoFit/>
+          </a:bodyPr>
+          <a:lstStyle/>
+          <a:p>
+            <a:r>
+              <a:rPr lang="en-US" altLang="ko-KR" sz="2500" dirty="0"/>
+              <a:t>4</a:t>
+            </a:r>
+            <a:endParaRPr lang="ko-KR" altLang="en-US" sz="2500" dirty="0"/>
+          </a:p>
+        </p:txBody>
+      </p:sp>
+      <p:sp>
+        <p:nvSpPr>
+          <p:cNvPr id="111" name="TextBox 110">
+            <a:extLst>
+              <a:ext uri="{FF2B5EF4-FFF2-40B4-BE49-F238E27FC236}">
+                <a16:creationId xmlns:a16="http://schemas.microsoft.com/office/drawing/2014/main" id="{C5B1941F-F373-42F3-A148-B44ED5EB8463}"/>
+              </a:ext>
+            </a:extLst>
+          </p:cNvPr>
+          <p:cNvSpPr txBox="1"/>
+          <p:nvPr/>
+        </p:nvSpPr>
+        <p:spPr>
+          <a:xfrm>
+            <a:off x="7247741" y="950278"/>
+            <a:ext cx="316842" cy="477054"/>
+          </a:xfrm>
+          <a:prstGeom prst="rect">
+            <a:avLst/>
+          </a:prstGeom>
+          <a:noFill/>
+        </p:spPr>
+        <p:txBody>
+          <a:bodyPr wrap="square" rtlCol="0">
+            <a:spAutoFit/>
+          </a:bodyPr>
+          <a:lstStyle/>
+          <a:p>
+            <a:r>
+              <a:rPr lang="en-US" altLang="ko-KR" sz="2500" dirty="0"/>
+              <a:t>5</a:t>
+            </a:r>
+            <a:endParaRPr lang="ko-KR" altLang="en-US" sz="2500" dirty="0"/>
+          </a:p>
+        </p:txBody>
+      </p:sp>
+      <p:sp>
+        <p:nvSpPr>
+          <p:cNvPr id="112" name="TextBox 111">
+            <a:extLst>
+              <a:ext uri="{FF2B5EF4-FFF2-40B4-BE49-F238E27FC236}">
+                <a16:creationId xmlns:a16="http://schemas.microsoft.com/office/drawing/2014/main" id="{19BE6087-1C22-411F-A56A-1B3EAA07A984}"/>
+              </a:ext>
+            </a:extLst>
+          </p:cNvPr>
+          <p:cNvSpPr txBox="1"/>
+          <p:nvPr/>
+        </p:nvSpPr>
+        <p:spPr>
+          <a:xfrm>
+            <a:off x="8405382" y="950278"/>
+            <a:ext cx="381026" cy="477054"/>
+          </a:xfrm>
+          <a:prstGeom prst="rect">
+            <a:avLst/>
+          </a:prstGeom>
+          <a:noFill/>
+        </p:spPr>
+        <p:txBody>
+          <a:bodyPr wrap="square" rtlCol="0">
+            <a:spAutoFit/>
+          </a:bodyPr>
+          <a:lstStyle/>
+          <a:p>
+            <a:r>
+              <a:rPr lang="en-US" altLang="ko-KR" sz="2500" dirty="0"/>
+              <a:t>6</a:t>
+            </a:r>
+            <a:endParaRPr lang="ko-KR" altLang="en-US" sz="2500" dirty="0"/>
+          </a:p>
+        </p:txBody>
+      </p:sp>
+      <p:sp>
+        <p:nvSpPr>
+          <p:cNvPr id="113" name="TextBox 112">
+            <a:extLst>
+              <a:ext uri="{FF2B5EF4-FFF2-40B4-BE49-F238E27FC236}">
+                <a16:creationId xmlns:a16="http://schemas.microsoft.com/office/drawing/2014/main" id="{B4EE7F24-0D31-444A-B794-F522B2D98B3F}"/>
+              </a:ext>
+            </a:extLst>
+          </p:cNvPr>
+          <p:cNvSpPr txBox="1"/>
+          <p:nvPr/>
+        </p:nvSpPr>
+        <p:spPr>
+          <a:xfrm>
+            <a:off x="9582239" y="949194"/>
+            <a:ext cx="381026" cy="477054"/>
+          </a:xfrm>
+          <a:prstGeom prst="rect">
+            <a:avLst/>
+          </a:prstGeom>
+          <a:noFill/>
+        </p:spPr>
+        <p:txBody>
+          <a:bodyPr wrap="square" rtlCol="0">
+            <a:spAutoFit/>
+          </a:bodyPr>
+          <a:lstStyle/>
+          <a:p>
+            <a:r>
+              <a:rPr lang="en-US" altLang="ko-KR" sz="2500" dirty="0"/>
+              <a:t>7</a:t>
+            </a:r>
+            <a:endParaRPr lang="ko-KR" altLang="en-US" sz="2500" dirty="0"/>
+          </a:p>
+        </p:txBody>
+      </p:sp>
+      <p:sp>
+        <p:nvSpPr>
+          <p:cNvPr id="114" name="TextBox 113">
+            <a:extLst>
+              <a:ext uri="{FF2B5EF4-FFF2-40B4-BE49-F238E27FC236}">
+                <a16:creationId xmlns:a16="http://schemas.microsoft.com/office/drawing/2014/main" id="{86FE67E5-DB99-4345-829D-02CABC612873}"/>
+              </a:ext>
+            </a:extLst>
+          </p:cNvPr>
+          <p:cNvSpPr txBox="1"/>
+          <p:nvPr/>
+        </p:nvSpPr>
+        <p:spPr>
+          <a:xfrm>
+            <a:off x="10517576" y="1709657"/>
+            <a:ext cx="1105944" cy="477054"/>
+          </a:xfrm>
+          <a:prstGeom prst="rect">
+            <a:avLst/>
+          </a:prstGeom>
+          <a:noFill/>
+        </p:spPr>
+        <p:txBody>
+          <a:bodyPr wrap="none" rtlCol="0">
+            <a:spAutoFit/>
+          </a:bodyPr>
+          <a:lstStyle/>
+          <a:p>
+            <a:r>
+              <a:rPr lang="en-US" altLang="ko-KR" sz="2500" dirty="0"/>
+              <a:t>Top=4</a:t>
+            </a:r>
+            <a:endParaRPr lang="ko-KR" altLang="en-US" sz="2500" dirty="0"/>
+          </a:p>
+        </p:txBody>
+      </p:sp>
+      <p:sp>
+        <p:nvSpPr>
+          <p:cNvPr id="115" name="TextBox 114">
+            <a:extLst>
+              <a:ext uri="{FF2B5EF4-FFF2-40B4-BE49-F238E27FC236}">
+                <a16:creationId xmlns:a16="http://schemas.microsoft.com/office/drawing/2014/main" id="{9C163ADD-0B16-47DD-A788-31867CA575DB}"/>
+              </a:ext>
+            </a:extLst>
+          </p:cNvPr>
+          <p:cNvSpPr txBox="1"/>
+          <p:nvPr/>
+        </p:nvSpPr>
+        <p:spPr>
+          <a:xfrm>
+            <a:off x="10517576" y="2889343"/>
+            <a:ext cx="1105944" cy="477054"/>
+          </a:xfrm>
+          <a:prstGeom prst="rect">
+            <a:avLst/>
+          </a:prstGeom>
+          <a:noFill/>
+        </p:spPr>
+        <p:txBody>
+          <a:bodyPr wrap="none" rtlCol="0">
+            <a:spAutoFit/>
+          </a:bodyPr>
+          <a:lstStyle/>
+          <a:p>
+            <a:r>
+              <a:rPr lang="en-US" altLang="ko-KR" sz="2500" dirty="0"/>
+              <a:t>Top=6</a:t>
+            </a:r>
+            <a:endParaRPr lang="ko-KR" altLang="en-US" sz="2500" dirty="0"/>
+          </a:p>
+        </p:txBody>
+      </p:sp>
+      <p:sp>
+        <p:nvSpPr>
+          <p:cNvPr id="116" name="TextBox 115">
+            <a:extLst>
+              <a:ext uri="{FF2B5EF4-FFF2-40B4-BE49-F238E27FC236}">
+                <a16:creationId xmlns:a16="http://schemas.microsoft.com/office/drawing/2014/main" id="{D5B7881F-4075-4F68-ABFD-57AC0445FA23}"/>
+              </a:ext>
+            </a:extLst>
+          </p:cNvPr>
+          <p:cNvSpPr txBox="1"/>
+          <p:nvPr/>
+        </p:nvSpPr>
+        <p:spPr>
+          <a:xfrm>
+            <a:off x="10521740" y="4079302"/>
+            <a:ext cx="1105944" cy="477054"/>
+          </a:xfrm>
+          <a:prstGeom prst="rect">
+            <a:avLst/>
+          </a:prstGeom>
+          <a:noFill/>
+        </p:spPr>
+        <p:txBody>
+          <a:bodyPr wrap="none" rtlCol="0">
+            <a:spAutoFit/>
+          </a:bodyPr>
+          <a:lstStyle/>
+          <a:p>
+            <a:r>
+              <a:rPr lang="en-US" altLang="ko-KR" sz="2500" dirty="0"/>
+              <a:t>Top=3</a:t>
+            </a:r>
+            <a:endParaRPr lang="ko-KR" altLang="en-US" sz="2500" dirty="0"/>
+          </a:p>
+        </p:txBody>
+      </p:sp>
+    </p:spTree>
+    <p:extLst>
+      <p:ext uri="{BB962C8B-B14F-4D97-AF65-F5344CB8AC3E}">
+        <p14:creationId xmlns:p14="http://schemas.microsoft.com/office/powerpoint/2010/main" val="3654691879"/>
       </p:ext>
     </p:extLst>
   </p:cSld>

--- a/stack/stack.pptx
+++ b/stack/stack.pptx
@@ -7336,7 +7336,7 @@
         </p:nvSpPr>
         <p:spPr>
           <a:xfrm>
-            <a:off x="319968" y="1709657"/>
+            <a:off x="421568" y="906093"/>
             <a:ext cx="1755609" cy="477054"/>
           </a:xfrm>
           <a:prstGeom prst="rect">
@@ -7375,7 +7375,7 @@
         </p:nvSpPr>
         <p:spPr>
           <a:xfrm>
-            <a:off x="319968" y="2951946"/>
+            <a:off x="421568" y="2148382"/>
             <a:ext cx="1755609" cy="477054"/>
           </a:xfrm>
           <a:prstGeom prst="rect">
@@ -7414,7 +7414,7 @@
         </p:nvSpPr>
         <p:spPr>
           <a:xfrm>
-            <a:off x="345170" y="4060312"/>
+            <a:off x="278685" y="5731852"/>
             <a:ext cx="1755609" cy="477054"/>
           </a:xfrm>
           <a:prstGeom prst="rect">
@@ -7430,7 +7430,7 @@
           <a:p>
             <a:r>
               <a:rPr lang="en-US" altLang="ko-KR" sz="2500" dirty="0"/>
-              <a:t>3</a:t>
+              <a:t>4</a:t>
             </a:r>
             <a:r>
               <a:rPr lang="ko-KR" altLang="en-US" sz="2500" dirty="0"/>
@@ -7453,7 +7453,7 @@
         </p:nvSpPr>
         <p:spPr>
           <a:xfrm>
-            <a:off x="2670129" y="951362"/>
+            <a:off x="2771729" y="147798"/>
             <a:ext cx="360996" cy="477054"/>
           </a:xfrm>
           <a:prstGeom prst="rect">
@@ -7489,7 +7489,7 @@
         </p:nvSpPr>
         <p:spPr>
           <a:xfrm>
-            <a:off x="2245998" y="1526792"/>
+            <a:off x="2347598" y="723228"/>
             <a:ext cx="8084424" cy="861774"/>
           </a:xfrm>
           <a:prstGeom prst="rect">
@@ -7541,7 +7541,7 @@
         </p:nvCxnSpPr>
         <p:spPr>
           <a:xfrm>
-            <a:off x="6890333" y="1526792"/>
+            <a:off x="6991933" y="723228"/>
             <a:ext cx="0" cy="861774"/>
           </a:xfrm>
           <a:prstGeom prst="line">
@@ -7577,7 +7577,7 @@
         </p:nvCxnSpPr>
         <p:spPr>
           <a:xfrm>
-            <a:off x="5717307" y="1526792"/>
+            <a:off x="5818907" y="723228"/>
             <a:ext cx="0" cy="861774"/>
           </a:xfrm>
           <a:prstGeom prst="line">
@@ -7613,7 +7613,7 @@
         </p:nvCxnSpPr>
         <p:spPr>
           <a:xfrm>
-            <a:off x="3455255" y="1526792"/>
+            <a:off x="3556855" y="723228"/>
             <a:ext cx="0" cy="861774"/>
           </a:xfrm>
           <a:prstGeom prst="line">
@@ -7649,7 +7649,7 @@
         </p:nvCxnSpPr>
         <p:spPr>
           <a:xfrm>
-            <a:off x="4608941" y="1526792"/>
+            <a:off x="4710541" y="723228"/>
             <a:ext cx="0" cy="861774"/>
           </a:xfrm>
           <a:prstGeom prst="line">
@@ -7685,7 +7685,7 @@
         </p:nvCxnSpPr>
         <p:spPr>
           <a:xfrm>
-            <a:off x="9171711" y="1526792"/>
+            <a:off x="9273311" y="723228"/>
             <a:ext cx="0" cy="861774"/>
           </a:xfrm>
           <a:prstGeom prst="line">
@@ -7721,7 +7721,7 @@
         </p:nvCxnSpPr>
         <p:spPr>
           <a:xfrm>
-            <a:off x="7952513" y="1526792"/>
+            <a:off x="8054113" y="723228"/>
             <a:ext cx="0" cy="861774"/>
           </a:xfrm>
           <a:prstGeom prst="line">
@@ -7757,7 +7757,7 @@
         </p:nvSpPr>
         <p:spPr>
           <a:xfrm>
-            <a:off x="2592383" y="1526792"/>
+            <a:off x="2693983" y="723228"/>
             <a:ext cx="606256" cy="861774"/>
           </a:xfrm>
           <a:prstGeom prst="rect">
@@ -7793,7 +7793,7 @@
         </p:nvSpPr>
         <p:spPr>
           <a:xfrm>
-            <a:off x="3767509" y="1517297"/>
+            <a:off x="3869109" y="713733"/>
             <a:ext cx="558166" cy="861774"/>
           </a:xfrm>
           <a:prstGeom prst="rect">
@@ -7829,7 +7829,7 @@
         </p:nvSpPr>
         <p:spPr>
           <a:xfrm>
-            <a:off x="4820537" y="1517297"/>
+            <a:off x="4922137" y="713733"/>
             <a:ext cx="591829" cy="861774"/>
           </a:xfrm>
           <a:prstGeom prst="rect">
@@ -7865,7 +7865,7 @@
         </p:nvSpPr>
         <p:spPr>
           <a:xfrm>
-            <a:off x="5993554" y="1517297"/>
+            <a:off x="6095154" y="713733"/>
             <a:ext cx="644728" cy="861774"/>
           </a:xfrm>
           <a:prstGeom prst="rect">
@@ -7901,7 +7901,7 @@
         </p:nvSpPr>
         <p:spPr>
           <a:xfrm>
-            <a:off x="2245998" y="3905155"/>
+            <a:off x="2347598" y="3101591"/>
             <a:ext cx="8084424" cy="861774"/>
           </a:xfrm>
           <a:prstGeom prst="rect">
@@ -7953,7 +7953,7 @@
         </p:nvCxnSpPr>
         <p:spPr>
           <a:xfrm>
-            <a:off x="6890333" y="3905155"/>
+            <a:off x="6991933" y="3101591"/>
             <a:ext cx="0" cy="861774"/>
           </a:xfrm>
           <a:prstGeom prst="line">
@@ -7989,7 +7989,7 @@
         </p:nvCxnSpPr>
         <p:spPr>
           <a:xfrm>
-            <a:off x="5717307" y="3905155"/>
+            <a:off x="5818907" y="3101591"/>
             <a:ext cx="0" cy="861774"/>
           </a:xfrm>
           <a:prstGeom prst="line">
@@ -8025,7 +8025,7 @@
         </p:nvCxnSpPr>
         <p:spPr>
           <a:xfrm>
-            <a:off x="3455255" y="3905155"/>
+            <a:off x="3556855" y="3101591"/>
             <a:ext cx="0" cy="861774"/>
           </a:xfrm>
           <a:prstGeom prst="line">
@@ -8061,7 +8061,7 @@
         </p:nvCxnSpPr>
         <p:spPr>
           <a:xfrm>
-            <a:off x="4608941" y="3905155"/>
+            <a:off x="4710541" y="3101591"/>
             <a:ext cx="0" cy="861774"/>
           </a:xfrm>
           <a:prstGeom prst="line">
@@ -8097,7 +8097,7 @@
         </p:nvCxnSpPr>
         <p:spPr>
           <a:xfrm>
-            <a:off x="9171711" y="3905155"/>
+            <a:off x="9273311" y="3101591"/>
             <a:ext cx="0" cy="861774"/>
           </a:xfrm>
           <a:prstGeom prst="line">
@@ -8133,7 +8133,7 @@
         </p:nvCxnSpPr>
         <p:spPr>
           <a:xfrm>
-            <a:off x="7952513" y="3905155"/>
+            <a:off x="8054113" y="3101591"/>
             <a:ext cx="0" cy="861774"/>
           </a:xfrm>
           <a:prstGeom prst="line">
@@ -8169,7 +8169,7 @@
         </p:nvSpPr>
         <p:spPr>
           <a:xfrm>
-            <a:off x="2592383" y="3905155"/>
+            <a:off x="2693983" y="3101591"/>
             <a:ext cx="562975" cy="861774"/>
           </a:xfrm>
           <a:prstGeom prst="rect">
@@ -8205,7 +8205,7 @@
         </p:nvSpPr>
         <p:spPr>
           <a:xfrm>
-            <a:off x="3767509" y="3895660"/>
+            <a:off x="3869109" y="3092096"/>
             <a:ext cx="492443" cy="861774"/>
           </a:xfrm>
           <a:prstGeom prst="rect">
@@ -8241,7 +8241,7 @@
         </p:nvSpPr>
         <p:spPr>
           <a:xfrm>
-            <a:off x="4779390" y="3914650"/>
+            <a:off x="4880990" y="3111086"/>
             <a:ext cx="772969" cy="861774"/>
           </a:xfrm>
           <a:prstGeom prst="rect">
@@ -8277,7 +8277,7 @@
         </p:nvSpPr>
         <p:spPr>
           <a:xfrm>
-            <a:off x="2245998" y="2706478"/>
+            <a:off x="2347598" y="1902914"/>
             <a:ext cx="8084424" cy="861774"/>
           </a:xfrm>
           <a:prstGeom prst="rect">
@@ -8329,7 +8329,7 @@
         </p:nvCxnSpPr>
         <p:spPr>
           <a:xfrm>
-            <a:off x="6890333" y="2706478"/>
+            <a:off x="6991933" y="1902914"/>
             <a:ext cx="0" cy="861774"/>
           </a:xfrm>
           <a:prstGeom prst="line">
@@ -8365,7 +8365,7 @@
         </p:nvCxnSpPr>
         <p:spPr>
           <a:xfrm>
-            <a:off x="5717307" y="2706478"/>
+            <a:off x="5818907" y="1902914"/>
             <a:ext cx="0" cy="861774"/>
           </a:xfrm>
           <a:prstGeom prst="line">
@@ -8401,7 +8401,7 @@
         </p:nvCxnSpPr>
         <p:spPr>
           <a:xfrm>
-            <a:off x="3455255" y="2706478"/>
+            <a:off x="3556855" y="1902914"/>
             <a:ext cx="0" cy="861774"/>
           </a:xfrm>
           <a:prstGeom prst="line">
@@ -8437,7 +8437,7 @@
         </p:nvCxnSpPr>
         <p:spPr>
           <a:xfrm>
-            <a:off x="4608941" y="2706478"/>
+            <a:off x="4710541" y="1902914"/>
             <a:ext cx="0" cy="861774"/>
           </a:xfrm>
           <a:prstGeom prst="line">
@@ -8473,7 +8473,7 @@
         </p:nvCxnSpPr>
         <p:spPr>
           <a:xfrm>
-            <a:off x="9171711" y="2706478"/>
+            <a:off x="9273311" y="1902914"/>
             <a:ext cx="0" cy="861774"/>
           </a:xfrm>
           <a:prstGeom prst="line">
@@ -8509,7 +8509,7 @@
         </p:nvCxnSpPr>
         <p:spPr>
           <a:xfrm>
-            <a:off x="7952513" y="2706478"/>
+            <a:off x="8054113" y="1902914"/>
             <a:ext cx="0" cy="861774"/>
           </a:xfrm>
           <a:prstGeom prst="line">
@@ -8545,7 +8545,7 @@
         </p:nvSpPr>
         <p:spPr>
           <a:xfrm>
-            <a:off x="2592383" y="2706478"/>
+            <a:off x="2693983" y="1902914"/>
             <a:ext cx="516488" cy="861774"/>
           </a:xfrm>
           <a:prstGeom prst="rect">
@@ -8581,7 +8581,7 @@
         </p:nvSpPr>
         <p:spPr>
           <a:xfrm>
-            <a:off x="3767509" y="2696983"/>
+            <a:off x="3869109" y="1893419"/>
             <a:ext cx="503664" cy="861774"/>
           </a:xfrm>
           <a:prstGeom prst="rect">
@@ -8617,7 +8617,7 @@
         </p:nvSpPr>
         <p:spPr>
           <a:xfrm>
-            <a:off x="4820537" y="2696983"/>
+            <a:off x="4922137" y="1893419"/>
             <a:ext cx="635110" cy="861774"/>
           </a:xfrm>
           <a:prstGeom prst="rect">
@@ -8653,7 +8653,7 @@
         </p:nvSpPr>
         <p:spPr>
           <a:xfrm>
-            <a:off x="5984318" y="2696983"/>
+            <a:off x="6085918" y="1893419"/>
             <a:ext cx="644728" cy="861774"/>
           </a:xfrm>
           <a:prstGeom prst="rect">
@@ -8689,7 +8689,7 @@
         </p:nvSpPr>
         <p:spPr>
           <a:xfrm>
-            <a:off x="7234755" y="2696983"/>
+            <a:off x="7336355" y="1893419"/>
             <a:ext cx="357790" cy="861774"/>
           </a:xfrm>
           <a:prstGeom prst="rect">
@@ -8725,7 +8725,7 @@
         </p:nvSpPr>
         <p:spPr>
           <a:xfrm>
-            <a:off x="8370910" y="2696983"/>
+            <a:off x="8472510" y="1893419"/>
             <a:ext cx="415498" cy="861774"/>
           </a:xfrm>
           <a:prstGeom prst="rect">
@@ -8761,7 +8761,7 @@
         </p:nvSpPr>
         <p:spPr>
           <a:xfrm>
-            <a:off x="3866094" y="951362"/>
+            <a:off x="3967694" y="147798"/>
             <a:ext cx="360996" cy="477054"/>
           </a:xfrm>
           <a:prstGeom prst="rect">
@@ -8797,7 +8797,7 @@
         </p:nvSpPr>
         <p:spPr>
           <a:xfrm>
-            <a:off x="4966125" y="951362"/>
+            <a:off x="5067725" y="147798"/>
             <a:ext cx="381026" cy="477054"/>
           </a:xfrm>
           <a:prstGeom prst="rect">
@@ -8833,7 +8833,7 @@
         </p:nvSpPr>
         <p:spPr>
           <a:xfrm>
-            <a:off x="6116169" y="950278"/>
+            <a:off x="6217769" y="146714"/>
             <a:ext cx="381026" cy="477054"/>
           </a:xfrm>
           <a:prstGeom prst="rect">
@@ -8869,7 +8869,7 @@
         </p:nvSpPr>
         <p:spPr>
           <a:xfrm>
-            <a:off x="7247741" y="950278"/>
+            <a:off x="7349341" y="146714"/>
             <a:ext cx="316842" cy="477054"/>
           </a:xfrm>
           <a:prstGeom prst="rect">
@@ -8905,7 +8905,7 @@
         </p:nvSpPr>
         <p:spPr>
           <a:xfrm>
-            <a:off x="8405382" y="950278"/>
+            <a:off x="8506982" y="146714"/>
             <a:ext cx="381026" cy="477054"/>
           </a:xfrm>
           <a:prstGeom prst="rect">
@@ -8941,7 +8941,7 @@
         </p:nvSpPr>
         <p:spPr>
           <a:xfrm>
-            <a:off x="9582239" y="949194"/>
+            <a:off x="9683839" y="145630"/>
             <a:ext cx="381026" cy="477054"/>
           </a:xfrm>
           <a:prstGeom prst="rect">
@@ -8977,7 +8977,7 @@
         </p:nvSpPr>
         <p:spPr>
           <a:xfrm>
-            <a:off x="10517576" y="1709657"/>
+            <a:off x="10619176" y="906093"/>
             <a:ext cx="1105944" cy="477054"/>
           </a:xfrm>
           <a:prstGeom prst="rect">
@@ -9013,7 +9013,7 @@
         </p:nvSpPr>
         <p:spPr>
           <a:xfrm>
-            <a:off x="10517576" y="2889343"/>
+            <a:off x="10619176" y="2085779"/>
             <a:ext cx="1105944" cy="477054"/>
           </a:xfrm>
           <a:prstGeom prst="rect">
@@ -9049,7 +9049,7 @@
         </p:nvSpPr>
         <p:spPr>
           <a:xfrm>
-            <a:off x="10521740" y="4079302"/>
+            <a:off x="10623340" y="3275738"/>
             <a:ext cx="1105944" cy="477054"/>
           </a:xfrm>
           <a:prstGeom prst="rect">
@@ -9071,6 +9071,1145 @@
           </a:p>
         </p:txBody>
       </p:sp>
+      <p:sp>
+        <p:nvSpPr>
+          <p:cNvPr id="49" name="직사각형 48">
+            <a:extLst>
+              <a:ext uri="{FF2B5EF4-FFF2-40B4-BE49-F238E27FC236}">
+                <a16:creationId xmlns:a16="http://schemas.microsoft.com/office/drawing/2014/main" id="{A06A1913-FC12-48FF-B9F4-FCF2C269EE69}"/>
+              </a:ext>
+            </a:extLst>
+          </p:cNvPr>
+          <p:cNvSpPr/>
+          <p:nvPr/>
+        </p:nvSpPr>
+        <p:spPr>
+          <a:xfrm>
+            <a:off x="2347598" y="4768087"/>
+            <a:ext cx="9119896" cy="861774"/>
+          </a:xfrm>
+          <a:prstGeom prst="rect">
+            <a:avLst/>
+          </a:prstGeom>
+          <a:noFill/>
+          <a:ln>
+            <a:solidFill>
+              <a:schemeClr val="tx1"/>
+            </a:solidFill>
+          </a:ln>
+        </p:spPr>
+        <p:style>
+          <a:lnRef idx="2">
+            <a:schemeClr val="accent1">
+              <a:shade val="50000"/>
+            </a:schemeClr>
+          </a:lnRef>
+          <a:fillRef idx="1">
+            <a:schemeClr val="accent1"/>
+          </a:fillRef>
+          <a:effectRef idx="0">
+            <a:schemeClr val="accent1"/>
+          </a:effectRef>
+          <a:fontRef idx="minor">
+            <a:schemeClr val="lt1"/>
+          </a:fontRef>
+        </p:style>
+        <p:txBody>
+          <a:bodyPr rtlCol="0" anchor="ctr"/>
+          <a:lstStyle/>
+          <a:p>
+            <a:pPr algn="ctr"/>
+            <a:endParaRPr lang="ko-KR" altLang="en-US"/>
+          </a:p>
+        </p:txBody>
+      </p:sp>
+      <p:cxnSp>
+        <p:nvCxnSpPr>
+          <p:cNvPr id="50" name="직선 연결선 49">
+            <a:extLst>
+              <a:ext uri="{FF2B5EF4-FFF2-40B4-BE49-F238E27FC236}">
+                <a16:creationId xmlns:a16="http://schemas.microsoft.com/office/drawing/2014/main" id="{E3C6226C-F4DC-4B07-AF1C-853BBBD9AC34}"/>
+              </a:ext>
+            </a:extLst>
+          </p:cNvPr>
+          <p:cNvCxnSpPr/>
+          <p:nvPr/>
+        </p:nvCxnSpPr>
+        <p:spPr>
+          <a:xfrm>
+            <a:off x="6936517" y="4768087"/>
+            <a:ext cx="0" cy="861774"/>
+          </a:xfrm>
+          <a:prstGeom prst="line">
+            <a:avLst/>
+          </a:prstGeom>
+        </p:spPr>
+        <p:style>
+          <a:lnRef idx="1">
+            <a:schemeClr val="dk1"/>
+          </a:lnRef>
+          <a:fillRef idx="0">
+            <a:schemeClr val="dk1"/>
+          </a:fillRef>
+          <a:effectRef idx="0">
+            <a:schemeClr val="dk1"/>
+          </a:effectRef>
+          <a:fontRef idx="minor">
+            <a:schemeClr val="tx1"/>
+          </a:fontRef>
+        </p:style>
+      </p:cxnSp>
+      <p:cxnSp>
+        <p:nvCxnSpPr>
+          <p:cNvPr id="51" name="직선 연결선 50">
+            <a:extLst>
+              <a:ext uri="{FF2B5EF4-FFF2-40B4-BE49-F238E27FC236}">
+                <a16:creationId xmlns:a16="http://schemas.microsoft.com/office/drawing/2014/main" id="{7766FC69-6955-4A49-8F6B-B8401CB1DB34}"/>
+              </a:ext>
+            </a:extLst>
+          </p:cNvPr>
+          <p:cNvCxnSpPr/>
+          <p:nvPr/>
+        </p:nvCxnSpPr>
+        <p:spPr>
+          <a:xfrm>
+            <a:off x="5818907" y="4768087"/>
+            <a:ext cx="0" cy="861774"/>
+          </a:xfrm>
+          <a:prstGeom prst="line">
+            <a:avLst/>
+          </a:prstGeom>
+        </p:spPr>
+        <p:style>
+          <a:lnRef idx="1">
+            <a:schemeClr val="dk1"/>
+          </a:lnRef>
+          <a:fillRef idx="0">
+            <a:schemeClr val="dk1"/>
+          </a:fillRef>
+          <a:effectRef idx="0">
+            <a:schemeClr val="dk1"/>
+          </a:effectRef>
+          <a:fontRef idx="minor">
+            <a:schemeClr val="tx1"/>
+          </a:fontRef>
+        </p:style>
+      </p:cxnSp>
+      <p:cxnSp>
+        <p:nvCxnSpPr>
+          <p:cNvPr id="52" name="직선 연결선 51">
+            <a:extLst>
+              <a:ext uri="{FF2B5EF4-FFF2-40B4-BE49-F238E27FC236}">
+                <a16:creationId xmlns:a16="http://schemas.microsoft.com/office/drawing/2014/main" id="{603F8354-82D9-481F-8D6F-1AC1832EA825}"/>
+              </a:ext>
+            </a:extLst>
+          </p:cNvPr>
+          <p:cNvCxnSpPr/>
+          <p:nvPr/>
+        </p:nvCxnSpPr>
+        <p:spPr>
+          <a:xfrm>
+            <a:off x="3556855" y="4768087"/>
+            <a:ext cx="0" cy="861774"/>
+          </a:xfrm>
+          <a:prstGeom prst="line">
+            <a:avLst/>
+          </a:prstGeom>
+        </p:spPr>
+        <p:style>
+          <a:lnRef idx="1">
+            <a:schemeClr val="dk1"/>
+          </a:lnRef>
+          <a:fillRef idx="0">
+            <a:schemeClr val="dk1"/>
+          </a:fillRef>
+          <a:effectRef idx="0">
+            <a:schemeClr val="dk1"/>
+          </a:effectRef>
+          <a:fontRef idx="minor">
+            <a:schemeClr val="tx1"/>
+          </a:fontRef>
+        </p:style>
+      </p:cxnSp>
+      <p:cxnSp>
+        <p:nvCxnSpPr>
+          <p:cNvPr id="53" name="직선 연결선 52">
+            <a:extLst>
+              <a:ext uri="{FF2B5EF4-FFF2-40B4-BE49-F238E27FC236}">
+                <a16:creationId xmlns:a16="http://schemas.microsoft.com/office/drawing/2014/main" id="{32C9985C-3E9B-4564-BDA7-D12927A2F9B9}"/>
+              </a:ext>
+            </a:extLst>
+          </p:cNvPr>
+          <p:cNvCxnSpPr/>
+          <p:nvPr/>
+        </p:nvCxnSpPr>
+        <p:spPr>
+          <a:xfrm>
+            <a:off x="4710541" y="4768087"/>
+            <a:ext cx="0" cy="861774"/>
+          </a:xfrm>
+          <a:prstGeom prst="line">
+            <a:avLst/>
+          </a:prstGeom>
+        </p:spPr>
+        <p:style>
+          <a:lnRef idx="1">
+            <a:schemeClr val="dk1"/>
+          </a:lnRef>
+          <a:fillRef idx="0">
+            <a:schemeClr val="dk1"/>
+          </a:fillRef>
+          <a:effectRef idx="0">
+            <a:schemeClr val="dk1"/>
+          </a:effectRef>
+          <a:fontRef idx="minor">
+            <a:schemeClr val="tx1"/>
+          </a:fontRef>
+        </p:style>
+      </p:cxnSp>
+      <p:cxnSp>
+        <p:nvCxnSpPr>
+          <p:cNvPr id="54" name="직선 연결선 53">
+            <a:extLst>
+              <a:ext uri="{FF2B5EF4-FFF2-40B4-BE49-F238E27FC236}">
+                <a16:creationId xmlns:a16="http://schemas.microsoft.com/office/drawing/2014/main" id="{09BAEEE8-F37E-4D62-909E-FF8B65C205DA}"/>
+              </a:ext>
+            </a:extLst>
+          </p:cNvPr>
+          <p:cNvCxnSpPr/>
+          <p:nvPr/>
+        </p:nvCxnSpPr>
+        <p:spPr>
+          <a:xfrm>
+            <a:off x="9208659" y="4768087"/>
+            <a:ext cx="0" cy="861774"/>
+          </a:xfrm>
+          <a:prstGeom prst="line">
+            <a:avLst/>
+          </a:prstGeom>
+        </p:spPr>
+        <p:style>
+          <a:lnRef idx="1">
+            <a:schemeClr val="dk1"/>
+          </a:lnRef>
+          <a:fillRef idx="0">
+            <a:schemeClr val="dk1"/>
+          </a:fillRef>
+          <a:effectRef idx="0">
+            <a:schemeClr val="dk1"/>
+          </a:effectRef>
+          <a:fontRef idx="minor">
+            <a:schemeClr val="tx1"/>
+          </a:fontRef>
+        </p:style>
+      </p:cxnSp>
+      <p:cxnSp>
+        <p:nvCxnSpPr>
+          <p:cNvPr id="55" name="직선 연결선 54">
+            <a:extLst>
+              <a:ext uri="{FF2B5EF4-FFF2-40B4-BE49-F238E27FC236}">
+                <a16:creationId xmlns:a16="http://schemas.microsoft.com/office/drawing/2014/main" id="{19CC503E-47D8-4AAB-BC30-8F615C60BD5A}"/>
+              </a:ext>
+            </a:extLst>
+          </p:cNvPr>
+          <p:cNvCxnSpPr/>
+          <p:nvPr/>
+        </p:nvCxnSpPr>
+        <p:spPr>
+          <a:xfrm>
+            <a:off x="8054113" y="4768087"/>
+            <a:ext cx="0" cy="861774"/>
+          </a:xfrm>
+          <a:prstGeom prst="line">
+            <a:avLst/>
+          </a:prstGeom>
+        </p:spPr>
+        <p:style>
+          <a:lnRef idx="1">
+            <a:schemeClr val="dk1"/>
+          </a:lnRef>
+          <a:fillRef idx="0">
+            <a:schemeClr val="dk1"/>
+          </a:fillRef>
+          <a:effectRef idx="0">
+            <a:schemeClr val="dk1"/>
+          </a:effectRef>
+          <a:fontRef idx="minor">
+            <a:schemeClr val="tx1"/>
+          </a:fontRef>
+        </p:style>
+      </p:cxnSp>
+      <p:sp>
+        <p:nvSpPr>
+          <p:cNvPr id="59" name="TextBox 58">
+            <a:extLst>
+              <a:ext uri="{FF2B5EF4-FFF2-40B4-BE49-F238E27FC236}">
+                <a16:creationId xmlns:a16="http://schemas.microsoft.com/office/drawing/2014/main" id="{C381171E-359D-4FD3-9180-7C47B02B7C32}"/>
+              </a:ext>
+            </a:extLst>
+          </p:cNvPr>
+          <p:cNvSpPr txBox="1"/>
+          <p:nvPr/>
+        </p:nvSpPr>
+        <p:spPr>
+          <a:xfrm>
+            <a:off x="2629503" y="4763667"/>
+            <a:ext cx="675185" cy="861774"/>
+          </a:xfrm>
+          <a:prstGeom prst="rect">
+            <a:avLst/>
+          </a:prstGeom>
+          <a:noFill/>
+        </p:spPr>
+        <p:txBody>
+          <a:bodyPr wrap="none" rtlCol="0">
+            <a:spAutoFit/>
+          </a:bodyPr>
+          <a:lstStyle/>
+          <a:p>
+            <a:r>
+              <a:rPr lang="en-US" altLang="ko-KR" sz="5000" dirty="0"/>
+              <a:t>N</a:t>
+            </a:r>
+            <a:endParaRPr lang="ko-KR" altLang="en-US" sz="5000" dirty="0"/>
+          </a:p>
+        </p:txBody>
+      </p:sp>
+      <p:sp>
+        <p:nvSpPr>
+          <p:cNvPr id="60" name="TextBox 59">
+            <a:extLst>
+              <a:ext uri="{FF2B5EF4-FFF2-40B4-BE49-F238E27FC236}">
+                <a16:creationId xmlns:a16="http://schemas.microsoft.com/office/drawing/2014/main" id="{C816F2EA-7958-416A-A2FF-5475062F6FC2}"/>
+              </a:ext>
+            </a:extLst>
+          </p:cNvPr>
+          <p:cNvSpPr txBox="1"/>
+          <p:nvPr/>
+        </p:nvSpPr>
+        <p:spPr>
+          <a:xfrm>
+            <a:off x="3832165" y="4758592"/>
+            <a:ext cx="679994" cy="861774"/>
+          </a:xfrm>
+          <a:prstGeom prst="rect">
+            <a:avLst/>
+          </a:prstGeom>
+          <a:noFill/>
+        </p:spPr>
+        <p:txBody>
+          <a:bodyPr wrap="none" rtlCol="0">
+            <a:spAutoFit/>
+          </a:bodyPr>
+          <a:lstStyle/>
+          <a:p>
+            <a:r>
+              <a:rPr lang="en-US" altLang="ko-KR" sz="5000" dirty="0"/>
+              <a:t>O</a:t>
+            </a:r>
+            <a:endParaRPr lang="ko-KR" altLang="en-US" sz="5000" dirty="0"/>
+          </a:p>
+        </p:txBody>
+      </p:sp>
+      <p:sp>
+        <p:nvSpPr>
+          <p:cNvPr id="61" name="TextBox 60">
+            <a:extLst>
+              <a:ext uri="{FF2B5EF4-FFF2-40B4-BE49-F238E27FC236}">
+                <a16:creationId xmlns:a16="http://schemas.microsoft.com/office/drawing/2014/main" id="{E56A948D-EE03-43D4-8B11-46E86013BDCE}"/>
+              </a:ext>
+            </a:extLst>
+          </p:cNvPr>
+          <p:cNvSpPr txBox="1"/>
+          <p:nvPr/>
+        </p:nvSpPr>
+        <p:spPr>
+          <a:xfrm>
+            <a:off x="6102637" y="4783609"/>
+            <a:ext cx="550151" cy="861774"/>
+          </a:xfrm>
+          <a:prstGeom prst="rect">
+            <a:avLst/>
+          </a:prstGeom>
+          <a:noFill/>
+        </p:spPr>
+        <p:txBody>
+          <a:bodyPr wrap="none" rtlCol="0">
+            <a:spAutoFit/>
+          </a:bodyPr>
+          <a:lstStyle/>
+          <a:p>
+            <a:r>
+              <a:rPr lang="en-US" altLang="ko-KR" sz="5000" dirty="0"/>
+              <a:t>P</a:t>
+            </a:r>
+            <a:endParaRPr lang="ko-KR" altLang="en-US" sz="5000" dirty="0"/>
+          </a:p>
+        </p:txBody>
+      </p:sp>
+      <p:sp>
+        <p:nvSpPr>
+          <p:cNvPr id="62" name="TextBox 61">
+            <a:extLst>
+              <a:ext uri="{FF2B5EF4-FFF2-40B4-BE49-F238E27FC236}">
+                <a16:creationId xmlns:a16="http://schemas.microsoft.com/office/drawing/2014/main" id="{490E9ECA-7FFF-4E8B-9AAE-4F932979DB7B}"/>
+              </a:ext>
+            </a:extLst>
+          </p:cNvPr>
+          <p:cNvSpPr txBox="1"/>
+          <p:nvPr/>
+        </p:nvSpPr>
+        <p:spPr>
+          <a:xfrm>
+            <a:off x="422072" y="3300485"/>
+            <a:ext cx="1755609" cy="477054"/>
+          </a:xfrm>
+          <a:prstGeom prst="rect">
+            <a:avLst/>
+          </a:prstGeom>
+          <a:noFill/>
+        </p:spPr>
+        <p:txBody>
+          <a:bodyPr wrap="none" rtlCol="0">
+            <a:spAutoFit/>
+          </a:bodyPr>
+          <a:lstStyle/>
+          <a:p>
+            <a:r>
+              <a:rPr lang="en-US" altLang="ko-KR" sz="2500" dirty="0"/>
+              <a:t>3</a:t>
+            </a:r>
+            <a:r>
+              <a:rPr lang="ko-KR" altLang="en-US" sz="2500" dirty="0"/>
+              <a:t>번째 스택</a:t>
+            </a:r>
+          </a:p>
+        </p:txBody>
+      </p:sp>
+      <p:cxnSp>
+        <p:nvCxnSpPr>
+          <p:cNvPr id="63" name="직선 연결선 62">
+            <a:extLst>
+              <a:ext uri="{FF2B5EF4-FFF2-40B4-BE49-F238E27FC236}">
+                <a16:creationId xmlns:a16="http://schemas.microsoft.com/office/drawing/2014/main" id="{5B0F140C-D6E0-45BF-9BE7-A8B7051BC278}"/>
+              </a:ext>
+            </a:extLst>
+          </p:cNvPr>
+          <p:cNvCxnSpPr/>
+          <p:nvPr/>
+        </p:nvCxnSpPr>
+        <p:spPr>
+          <a:xfrm>
+            <a:off x="10337889" y="4768087"/>
+            <a:ext cx="0" cy="861774"/>
+          </a:xfrm>
+          <a:prstGeom prst="line">
+            <a:avLst/>
+          </a:prstGeom>
+        </p:spPr>
+        <p:style>
+          <a:lnRef idx="1">
+            <a:schemeClr val="dk1"/>
+          </a:lnRef>
+          <a:fillRef idx="0">
+            <a:schemeClr val="dk1"/>
+          </a:fillRef>
+          <a:effectRef idx="0">
+            <a:schemeClr val="dk1"/>
+          </a:effectRef>
+          <a:fontRef idx="minor">
+            <a:schemeClr val="tx1"/>
+          </a:fontRef>
+        </p:style>
+      </p:cxnSp>
+      <p:sp>
+        <p:nvSpPr>
+          <p:cNvPr id="69" name="TextBox 68">
+            <a:extLst>
+              <a:ext uri="{FF2B5EF4-FFF2-40B4-BE49-F238E27FC236}">
+                <a16:creationId xmlns:a16="http://schemas.microsoft.com/office/drawing/2014/main" id="{F2138EC0-4975-4F67-B9E4-0D961C3038C0}"/>
+              </a:ext>
+            </a:extLst>
+          </p:cNvPr>
+          <p:cNvSpPr txBox="1"/>
+          <p:nvPr/>
+        </p:nvSpPr>
+        <p:spPr>
+          <a:xfrm>
+            <a:off x="7158206" y="4752565"/>
+            <a:ext cx="679994" cy="861774"/>
+          </a:xfrm>
+          <a:prstGeom prst="rect">
+            <a:avLst/>
+          </a:prstGeom>
+          <a:noFill/>
+        </p:spPr>
+        <p:txBody>
+          <a:bodyPr wrap="none" rtlCol="0">
+            <a:spAutoFit/>
+          </a:bodyPr>
+          <a:lstStyle/>
+          <a:p>
+            <a:r>
+              <a:rPr lang="en-US" altLang="ko-KR" sz="5000" dirty="0"/>
+              <a:t>Q</a:t>
+            </a:r>
+            <a:endParaRPr lang="ko-KR" altLang="en-US" sz="5000" dirty="0"/>
+          </a:p>
+        </p:txBody>
+      </p:sp>
+      <p:sp>
+        <p:nvSpPr>
+          <p:cNvPr id="70" name="TextBox 69">
+            <a:extLst>
+              <a:ext uri="{FF2B5EF4-FFF2-40B4-BE49-F238E27FC236}">
+                <a16:creationId xmlns:a16="http://schemas.microsoft.com/office/drawing/2014/main" id="{93DD661D-4C58-4E37-AFDF-F823FEBC9A8D}"/>
+              </a:ext>
+            </a:extLst>
+          </p:cNvPr>
+          <p:cNvSpPr txBox="1"/>
+          <p:nvPr/>
+        </p:nvSpPr>
+        <p:spPr>
+          <a:xfrm>
+            <a:off x="9503847" y="4769794"/>
+            <a:ext cx="575799" cy="861774"/>
+          </a:xfrm>
+          <a:prstGeom prst="rect">
+            <a:avLst/>
+          </a:prstGeom>
+          <a:noFill/>
+        </p:spPr>
+        <p:txBody>
+          <a:bodyPr wrap="none" rtlCol="0">
+            <a:spAutoFit/>
+          </a:bodyPr>
+          <a:lstStyle/>
+          <a:p>
+            <a:r>
+              <a:rPr lang="en-US" altLang="ko-KR" sz="5000" dirty="0"/>
+              <a:t>R</a:t>
+            </a:r>
+            <a:endParaRPr lang="ko-KR" altLang="en-US" sz="5000" dirty="0"/>
+          </a:p>
+        </p:txBody>
+      </p:sp>
+      <p:sp>
+        <p:nvSpPr>
+          <p:cNvPr id="72" name="TextBox 71">
+            <a:extLst>
+              <a:ext uri="{FF2B5EF4-FFF2-40B4-BE49-F238E27FC236}">
+                <a16:creationId xmlns:a16="http://schemas.microsoft.com/office/drawing/2014/main" id="{42B3C349-07FB-4407-A1B9-A48629E978CF}"/>
+              </a:ext>
+            </a:extLst>
+          </p:cNvPr>
+          <p:cNvSpPr txBox="1"/>
+          <p:nvPr/>
+        </p:nvSpPr>
+        <p:spPr>
+          <a:xfrm>
+            <a:off x="10650706" y="4769794"/>
+            <a:ext cx="550151" cy="861774"/>
+          </a:xfrm>
+          <a:prstGeom prst="rect">
+            <a:avLst/>
+          </a:prstGeom>
+          <a:noFill/>
+        </p:spPr>
+        <p:txBody>
+          <a:bodyPr wrap="none" rtlCol="0">
+            <a:spAutoFit/>
+          </a:bodyPr>
+          <a:lstStyle/>
+          <a:p>
+            <a:r>
+              <a:rPr lang="en-US" altLang="ko-KR" sz="5000" dirty="0"/>
+              <a:t>S</a:t>
+            </a:r>
+            <a:endParaRPr lang="ko-KR" altLang="en-US" sz="5000" dirty="0"/>
+          </a:p>
+        </p:txBody>
+      </p:sp>
+      <p:sp>
+        <p:nvSpPr>
+          <p:cNvPr id="73" name="TextBox 72">
+            <a:extLst>
+              <a:ext uri="{FF2B5EF4-FFF2-40B4-BE49-F238E27FC236}">
+                <a16:creationId xmlns:a16="http://schemas.microsoft.com/office/drawing/2014/main" id="{6B959F63-D9A4-40D0-AABE-F1CBB8CD64AF}"/>
+              </a:ext>
+            </a:extLst>
+          </p:cNvPr>
+          <p:cNvSpPr txBox="1"/>
+          <p:nvPr/>
+        </p:nvSpPr>
+        <p:spPr>
+          <a:xfrm>
+            <a:off x="2784914" y="4261073"/>
+            <a:ext cx="360996" cy="477054"/>
+          </a:xfrm>
+          <a:prstGeom prst="rect">
+            <a:avLst/>
+          </a:prstGeom>
+          <a:noFill/>
+        </p:spPr>
+        <p:txBody>
+          <a:bodyPr wrap="none" rtlCol="0">
+            <a:spAutoFit/>
+          </a:bodyPr>
+          <a:lstStyle/>
+          <a:p>
+            <a:r>
+              <a:rPr lang="en-US" altLang="ko-KR" sz="2500" dirty="0"/>
+              <a:t>1</a:t>
+            </a:r>
+            <a:endParaRPr lang="ko-KR" altLang="en-US" sz="2500" dirty="0"/>
+          </a:p>
+        </p:txBody>
+      </p:sp>
+      <p:sp>
+        <p:nvSpPr>
+          <p:cNvPr id="74" name="TextBox 73">
+            <a:extLst>
+              <a:ext uri="{FF2B5EF4-FFF2-40B4-BE49-F238E27FC236}">
+                <a16:creationId xmlns:a16="http://schemas.microsoft.com/office/drawing/2014/main" id="{AC47EA9A-247D-432A-96DF-7BEEC3D1FD75}"/>
+              </a:ext>
+            </a:extLst>
+          </p:cNvPr>
+          <p:cNvSpPr txBox="1"/>
+          <p:nvPr/>
+        </p:nvSpPr>
+        <p:spPr>
+          <a:xfrm>
+            <a:off x="3980879" y="4261073"/>
+            <a:ext cx="360996" cy="477054"/>
+          </a:xfrm>
+          <a:prstGeom prst="rect">
+            <a:avLst/>
+          </a:prstGeom>
+          <a:noFill/>
+        </p:spPr>
+        <p:txBody>
+          <a:bodyPr wrap="none" rtlCol="0">
+            <a:spAutoFit/>
+          </a:bodyPr>
+          <a:lstStyle/>
+          <a:p>
+            <a:r>
+              <a:rPr lang="en-US" altLang="ko-KR" sz="2500" dirty="0"/>
+              <a:t>2</a:t>
+            </a:r>
+            <a:endParaRPr lang="ko-KR" altLang="en-US" sz="2500" dirty="0"/>
+          </a:p>
+        </p:txBody>
+      </p:sp>
+      <p:sp>
+        <p:nvSpPr>
+          <p:cNvPr id="75" name="TextBox 74">
+            <a:extLst>
+              <a:ext uri="{FF2B5EF4-FFF2-40B4-BE49-F238E27FC236}">
+                <a16:creationId xmlns:a16="http://schemas.microsoft.com/office/drawing/2014/main" id="{7E13B9E4-8B99-4D0C-8DF6-ABCE5FA44A42}"/>
+              </a:ext>
+            </a:extLst>
+          </p:cNvPr>
+          <p:cNvSpPr txBox="1"/>
+          <p:nvPr/>
+        </p:nvSpPr>
+        <p:spPr>
+          <a:xfrm>
+            <a:off x="5080910" y="4261073"/>
+            <a:ext cx="381026" cy="477054"/>
+          </a:xfrm>
+          <a:prstGeom prst="rect">
+            <a:avLst/>
+          </a:prstGeom>
+          <a:noFill/>
+        </p:spPr>
+        <p:txBody>
+          <a:bodyPr wrap="square" rtlCol="0">
+            <a:spAutoFit/>
+          </a:bodyPr>
+          <a:lstStyle/>
+          <a:p>
+            <a:r>
+              <a:rPr lang="en-US" altLang="ko-KR" sz="2500" dirty="0"/>
+              <a:t>3</a:t>
+            </a:r>
+            <a:endParaRPr lang="ko-KR" altLang="en-US" sz="2500" dirty="0"/>
+          </a:p>
+        </p:txBody>
+      </p:sp>
+      <p:sp>
+        <p:nvSpPr>
+          <p:cNvPr id="76" name="TextBox 75">
+            <a:extLst>
+              <a:ext uri="{FF2B5EF4-FFF2-40B4-BE49-F238E27FC236}">
+                <a16:creationId xmlns:a16="http://schemas.microsoft.com/office/drawing/2014/main" id="{84AD6E1F-FFC9-4B88-9400-5F63C12872B1}"/>
+              </a:ext>
+            </a:extLst>
+          </p:cNvPr>
+          <p:cNvSpPr txBox="1"/>
+          <p:nvPr/>
+        </p:nvSpPr>
+        <p:spPr>
+          <a:xfrm>
+            <a:off x="6230954" y="4259989"/>
+            <a:ext cx="381026" cy="477054"/>
+          </a:xfrm>
+          <a:prstGeom prst="rect">
+            <a:avLst/>
+          </a:prstGeom>
+          <a:noFill/>
+        </p:spPr>
+        <p:txBody>
+          <a:bodyPr wrap="square" rtlCol="0">
+            <a:spAutoFit/>
+          </a:bodyPr>
+          <a:lstStyle/>
+          <a:p>
+            <a:r>
+              <a:rPr lang="en-US" altLang="ko-KR" sz="2500" dirty="0"/>
+              <a:t>4</a:t>
+            </a:r>
+            <a:endParaRPr lang="ko-KR" altLang="en-US" sz="2500" dirty="0"/>
+          </a:p>
+        </p:txBody>
+      </p:sp>
+      <p:sp>
+        <p:nvSpPr>
+          <p:cNvPr id="77" name="TextBox 76">
+            <a:extLst>
+              <a:ext uri="{FF2B5EF4-FFF2-40B4-BE49-F238E27FC236}">
+                <a16:creationId xmlns:a16="http://schemas.microsoft.com/office/drawing/2014/main" id="{092829DC-D2D4-4035-8351-C2EF2CC192E4}"/>
+              </a:ext>
+            </a:extLst>
+          </p:cNvPr>
+          <p:cNvSpPr txBox="1"/>
+          <p:nvPr/>
+        </p:nvSpPr>
+        <p:spPr>
+          <a:xfrm>
+            <a:off x="7334818" y="4259989"/>
+            <a:ext cx="316842" cy="477054"/>
+          </a:xfrm>
+          <a:prstGeom prst="rect">
+            <a:avLst/>
+          </a:prstGeom>
+          <a:noFill/>
+        </p:spPr>
+        <p:txBody>
+          <a:bodyPr wrap="square" rtlCol="0">
+            <a:spAutoFit/>
+          </a:bodyPr>
+          <a:lstStyle/>
+          <a:p>
+            <a:r>
+              <a:rPr lang="en-US" altLang="ko-KR" sz="2500" dirty="0"/>
+              <a:t>5</a:t>
+            </a:r>
+            <a:endParaRPr lang="ko-KR" altLang="en-US" sz="2500" dirty="0"/>
+          </a:p>
+        </p:txBody>
+      </p:sp>
+      <p:sp>
+        <p:nvSpPr>
+          <p:cNvPr id="78" name="TextBox 77">
+            <a:extLst>
+              <a:ext uri="{FF2B5EF4-FFF2-40B4-BE49-F238E27FC236}">
+                <a16:creationId xmlns:a16="http://schemas.microsoft.com/office/drawing/2014/main" id="{7FA8EA82-A76A-46C5-A05E-E8AABE6044A9}"/>
+              </a:ext>
+            </a:extLst>
+          </p:cNvPr>
+          <p:cNvSpPr txBox="1"/>
+          <p:nvPr/>
+        </p:nvSpPr>
+        <p:spPr>
+          <a:xfrm>
+            <a:off x="8464751" y="4259989"/>
+            <a:ext cx="381026" cy="477054"/>
+          </a:xfrm>
+          <a:prstGeom prst="rect">
+            <a:avLst/>
+          </a:prstGeom>
+          <a:noFill/>
+        </p:spPr>
+        <p:txBody>
+          <a:bodyPr wrap="square" rtlCol="0">
+            <a:spAutoFit/>
+          </a:bodyPr>
+          <a:lstStyle/>
+          <a:p>
+            <a:r>
+              <a:rPr lang="en-US" altLang="ko-KR" sz="2500" dirty="0"/>
+              <a:t>6</a:t>
+            </a:r>
+            <a:endParaRPr lang="ko-KR" altLang="en-US" sz="2500" dirty="0"/>
+          </a:p>
+        </p:txBody>
+      </p:sp>
+      <p:sp>
+        <p:nvSpPr>
+          <p:cNvPr id="79" name="TextBox 78">
+            <a:extLst>
+              <a:ext uri="{FF2B5EF4-FFF2-40B4-BE49-F238E27FC236}">
+                <a16:creationId xmlns:a16="http://schemas.microsoft.com/office/drawing/2014/main" id="{B8BEA3C1-4620-42BA-9F7F-28FB83547F7D}"/>
+              </a:ext>
+            </a:extLst>
+          </p:cNvPr>
+          <p:cNvSpPr txBox="1"/>
+          <p:nvPr/>
+        </p:nvSpPr>
+        <p:spPr>
+          <a:xfrm>
+            <a:off x="9595428" y="4258905"/>
+            <a:ext cx="381026" cy="477054"/>
+          </a:xfrm>
+          <a:prstGeom prst="rect">
+            <a:avLst/>
+          </a:prstGeom>
+          <a:noFill/>
+        </p:spPr>
+        <p:txBody>
+          <a:bodyPr wrap="square" rtlCol="0">
+            <a:spAutoFit/>
+          </a:bodyPr>
+          <a:lstStyle/>
+          <a:p>
+            <a:r>
+              <a:rPr lang="en-US" altLang="ko-KR" sz="2500" dirty="0"/>
+              <a:t>7</a:t>
+            </a:r>
+            <a:endParaRPr lang="ko-KR" altLang="en-US" sz="2500" dirty="0"/>
+          </a:p>
+        </p:txBody>
+      </p:sp>
+      <p:sp>
+        <p:nvSpPr>
+          <p:cNvPr id="80" name="TextBox 79">
+            <a:extLst>
+              <a:ext uri="{FF2B5EF4-FFF2-40B4-BE49-F238E27FC236}">
+                <a16:creationId xmlns:a16="http://schemas.microsoft.com/office/drawing/2014/main" id="{3E3FE9B5-CD13-42C6-A9A6-A11C9A972720}"/>
+              </a:ext>
+            </a:extLst>
+          </p:cNvPr>
+          <p:cNvSpPr txBox="1"/>
+          <p:nvPr/>
+        </p:nvSpPr>
+        <p:spPr>
+          <a:xfrm>
+            <a:off x="10699834" y="4263562"/>
+            <a:ext cx="381026" cy="477054"/>
+          </a:xfrm>
+          <a:prstGeom prst="rect">
+            <a:avLst/>
+          </a:prstGeom>
+          <a:noFill/>
+        </p:spPr>
+        <p:txBody>
+          <a:bodyPr wrap="square" rtlCol="0">
+            <a:spAutoFit/>
+          </a:bodyPr>
+          <a:lstStyle/>
+          <a:p>
+            <a:r>
+              <a:rPr lang="en-US" altLang="ko-KR" sz="2500" dirty="0"/>
+              <a:t>8</a:t>
+            </a:r>
+            <a:endParaRPr lang="ko-KR" altLang="en-US" sz="2500" dirty="0"/>
+          </a:p>
+        </p:txBody>
+      </p:sp>
+      <p:sp>
+        <p:nvSpPr>
+          <p:cNvPr id="82" name="TextBox 81">
+            <a:extLst>
+              <a:ext uri="{FF2B5EF4-FFF2-40B4-BE49-F238E27FC236}">
+                <a16:creationId xmlns:a16="http://schemas.microsoft.com/office/drawing/2014/main" id="{02822A90-32E8-4AEB-B951-86FF278D45B7}"/>
+              </a:ext>
+            </a:extLst>
+          </p:cNvPr>
+          <p:cNvSpPr txBox="1"/>
+          <p:nvPr/>
+        </p:nvSpPr>
+        <p:spPr>
+          <a:xfrm>
+            <a:off x="278685" y="6189797"/>
+            <a:ext cx="1755609" cy="477054"/>
+          </a:xfrm>
+          <a:prstGeom prst="rect">
+            <a:avLst/>
+          </a:prstGeom>
+          <a:noFill/>
+        </p:spPr>
+        <p:txBody>
+          <a:bodyPr wrap="none" rtlCol="0">
+            <a:spAutoFit/>
+          </a:bodyPr>
+          <a:lstStyle/>
+          <a:p>
+            <a:r>
+              <a:rPr lang="en-US" altLang="ko-KR" sz="2500" dirty="0"/>
+              <a:t>5</a:t>
+            </a:r>
+            <a:r>
+              <a:rPr lang="ko-KR" altLang="en-US" sz="2500" dirty="0"/>
+              <a:t>번째 스택</a:t>
+            </a:r>
+          </a:p>
+        </p:txBody>
+      </p:sp>
+      <p:cxnSp>
+        <p:nvCxnSpPr>
+          <p:cNvPr id="5" name="연결선: 꺾임 4">
+            <a:extLst>
+              <a:ext uri="{FF2B5EF4-FFF2-40B4-BE49-F238E27FC236}">
+                <a16:creationId xmlns:a16="http://schemas.microsoft.com/office/drawing/2014/main" id="{CB788739-F918-4BC6-A69D-4DCD7D595EEF}"/>
+              </a:ext>
+            </a:extLst>
+          </p:cNvPr>
+          <p:cNvCxnSpPr>
+            <a:cxnSpLocks/>
+            <a:stCxn id="42" idx="3"/>
+            <a:endCxn id="70" idx="2"/>
+          </p:cNvCxnSpPr>
+          <p:nvPr/>
+        </p:nvCxnSpPr>
+        <p:spPr>
+          <a:xfrm flipV="1">
+            <a:off x="2034294" y="5631568"/>
+            <a:ext cx="7757453" cy="338811"/>
+          </a:xfrm>
+          <a:prstGeom prst="bentConnector2">
+            <a:avLst/>
+          </a:prstGeom>
+          <a:ln>
+            <a:tailEnd type="triangle"/>
+          </a:ln>
+        </p:spPr>
+        <p:style>
+          <a:lnRef idx="1">
+            <a:schemeClr val="dk1"/>
+          </a:lnRef>
+          <a:fillRef idx="0">
+            <a:schemeClr val="dk1"/>
+          </a:fillRef>
+          <a:effectRef idx="0">
+            <a:schemeClr val="dk1"/>
+          </a:effectRef>
+          <a:fontRef idx="minor">
+            <a:schemeClr val="tx1"/>
+          </a:fontRef>
+        </p:style>
+      </p:cxnSp>
+      <p:cxnSp>
+        <p:nvCxnSpPr>
+          <p:cNvPr id="8" name="연결선: 꺾임 7">
+            <a:extLst>
+              <a:ext uri="{FF2B5EF4-FFF2-40B4-BE49-F238E27FC236}">
+                <a16:creationId xmlns:a16="http://schemas.microsoft.com/office/drawing/2014/main" id="{90E5B0D7-E5A3-4EC1-A9DD-3FAD9D565020}"/>
+              </a:ext>
+            </a:extLst>
+          </p:cNvPr>
+          <p:cNvCxnSpPr>
+            <a:stCxn id="82" idx="3"/>
+            <a:endCxn id="72" idx="2"/>
+          </p:cNvCxnSpPr>
+          <p:nvPr/>
+        </p:nvCxnSpPr>
+        <p:spPr>
+          <a:xfrm flipV="1">
+            <a:off x="2034294" y="5631568"/>
+            <a:ext cx="8891488" cy="796756"/>
+          </a:xfrm>
+          <a:prstGeom prst="bentConnector2">
+            <a:avLst/>
+          </a:prstGeom>
+          <a:ln>
+            <a:tailEnd type="triangle"/>
+          </a:ln>
+        </p:spPr>
+        <p:style>
+          <a:lnRef idx="1">
+            <a:schemeClr val="accent1"/>
+          </a:lnRef>
+          <a:fillRef idx="0">
+            <a:schemeClr val="accent1"/>
+          </a:fillRef>
+          <a:effectRef idx="0">
+            <a:schemeClr val="accent1"/>
+          </a:effectRef>
+          <a:fontRef idx="minor">
+            <a:schemeClr val="tx1"/>
+          </a:fontRef>
+        </p:style>
+      </p:cxnSp>
+      <p:cxnSp>
+        <p:nvCxnSpPr>
+          <p:cNvPr id="12" name="직선 화살표 연결선 11">
+            <a:extLst>
+              <a:ext uri="{FF2B5EF4-FFF2-40B4-BE49-F238E27FC236}">
+                <a16:creationId xmlns:a16="http://schemas.microsoft.com/office/drawing/2014/main" id="{398386F3-E5C1-458B-ADAE-425D4D1D734A}"/>
+              </a:ext>
+            </a:extLst>
+          </p:cNvPr>
+          <p:cNvCxnSpPr>
+            <a:cxnSpLocks/>
+            <a:endCxn id="59" idx="2"/>
+          </p:cNvCxnSpPr>
+          <p:nvPr/>
+        </p:nvCxnSpPr>
+        <p:spPr>
+          <a:xfrm flipH="1" flipV="1">
+            <a:off x="2967096" y="5625441"/>
+            <a:ext cx="4362" cy="341323"/>
+          </a:xfrm>
+          <a:prstGeom prst="straightConnector1">
+            <a:avLst/>
+          </a:prstGeom>
+          <a:ln>
+            <a:tailEnd type="triangle"/>
+          </a:ln>
+        </p:spPr>
+        <p:style>
+          <a:lnRef idx="1">
+            <a:schemeClr val="dk1"/>
+          </a:lnRef>
+          <a:fillRef idx="0">
+            <a:schemeClr val="dk1"/>
+          </a:fillRef>
+          <a:effectRef idx="0">
+            <a:schemeClr val="dk1"/>
+          </a:effectRef>
+          <a:fontRef idx="minor">
+            <a:schemeClr val="tx1"/>
+          </a:fontRef>
+        </p:style>
+      </p:cxnSp>
+      <p:cxnSp>
+        <p:nvCxnSpPr>
+          <p:cNvPr id="17" name="직선 화살표 연결선 16">
+            <a:extLst>
+              <a:ext uri="{FF2B5EF4-FFF2-40B4-BE49-F238E27FC236}">
+                <a16:creationId xmlns:a16="http://schemas.microsoft.com/office/drawing/2014/main" id="{531C85DD-BD71-40D4-B7EC-B344FDEAF576}"/>
+              </a:ext>
+            </a:extLst>
+          </p:cNvPr>
+          <p:cNvCxnSpPr>
+            <a:cxnSpLocks/>
+            <a:endCxn id="61" idx="2"/>
+          </p:cNvCxnSpPr>
+          <p:nvPr/>
+        </p:nvCxnSpPr>
+        <p:spPr>
+          <a:xfrm flipV="1">
+            <a:off x="6377713" y="5645383"/>
+            <a:ext cx="0" cy="321381"/>
+          </a:xfrm>
+          <a:prstGeom prst="straightConnector1">
+            <a:avLst/>
+          </a:prstGeom>
+          <a:ln>
+            <a:tailEnd type="triangle"/>
+          </a:ln>
+        </p:spPr>
+        <p:style>
+          <a:lnRef idx="1">
+            <a:schemeClr val="dk1"/>
+          </a:lnRef>
+          <a:fillRef idx="0">
+            <a:schemeClr val="dk1"/>
+          </a:fillRef>
+          <a:effectRef idx="0">
+            <a:schemeClr val="dk1"/>
+          </a:effectRef>
+          <a:fontRef idx="minor">
+            <a:schemeClr val="tx1"/>
+          </a:fontRef>
+        </p:style>
+      </p:cxnSp>
+      <p:cxnSp>
+        <p:nvCxnSpPr>
+          <p:cNvPr id="21" name="직선 화살표 연결선 20">
+            <a:extLst>
+              <a:ext uri="{FF2B5EF4-FFF2-40B4-BE49-F238E27FC236}">
+                <a16:creationId xmlns:a16="http://schemas.microsoft.com/office/drawing/2014/main" id="{81387D67-EEB1-4495-A288-DF18A462BE17}"/>
+              </a:ext>
+            </a:extLst>
+          </p:cNvPr>
+          <p:cNvCxnSpPr>
+            <a:cxnSpLocks/>
+            <a:endCxn id="60" idx="2"/>
+          </p:cNvCxnSpPr>
+          <p:nvPr/>
+        </p:nvCxnSpPr>
+        <p:spPr>
+          <a:xfrm flipH="1" flipV="1">
+            <a:off x="4172162" y="5620366"/>
+            <a:ext cx="730" cy="814217"/>
+          </a:xfrm>
+          <a:prstGeom prst="straightConnector1">
+            <a:avLst/>
+          </a:prstGeom>
+          <a:ln>
+            <a:tailEnd type="triangle"/>
+          </a:ln>
+        </p:spPr>
+        <p:style>
+          <a:lnRef idx="1">
+            <a:schemeClr val="accent1"/>
+          </a:lnRef>
+          <a:fillRef idx="0">
+            <a:schemeClr val="accent1"/>
+          </a:fillRef>
+          <a:effectRef idx="0">
+            <a:schemeClr val="accent1"/>
+          </a:effectRef>
+          <a:fontRef idx="minor">
+            <a:schemeClr val="tx1"/>
+          </a:fontRef>
+        </p:style>
+      </p:cxnSp>
+      <p:cxnSp>
+        <p:nvCxnSpPr>
+          <p:cNvPr id="24" name="직선 화살표 연결선 23">
+            <a:extLst>
+              <a:ext uri="{FF2B5EF4-FFF2-40B4-BE49-F238E27FC236}">
+                <a16:creationId xmlns:a16="http://schemas.microsoft.com/office/drawing/2014/main" id="{E39F0C5B-2794-4A3F-8843-F36876C9FE03}"/>
+              </a:ext>
+            </a:extLst>
+          </p:cNvPr>
+          <p:cNvCxnSpPr>
+            <a:cxnSpLocks/>
+            <a:endCxn id="69" idx="2"/>
+          </p:cNvCxnSpPr>
+          <p:nvPr/>
+        </p:nvCxnSpPr>
+        <p:spPr>
+          <a:xfrm flipH="1" flipV="1">
+            <a:off x="7498203" y="5614339"/>
+            <a:ext cx="8740" cy="813985"/>
+          </a:xfrm>
+          <a:prstGeom prst="straightConnector1">
+            <a:avLst/>
+          </a:prstGeom>
+          <a:ln>
+            <a:tailEnd type="triangle"/>
+          </a:ln>
+        </p:spPr>
+        <p:style>
+          <a:lnRef idx="1">
+            <a:schemeClr val="accent1"/>
+          </a:lnRef>
+          <a:fillRef idx="0">
+            <a:schemeClr val="accent1"/>
+          </a:fillRef>
+          <a:effectRef idx="0">
+            <a:schemeClr val="accent1"/>
+          </a:effectRef>
+          <a:fontRef idx="minor">
+            <a:schemeClr val="tx1"/>
+          </a:fontRef>
+        </p:style>
+      </p:cxnSp>
     </p:spTree>
     <p:extLst>
       <p:ext uri="{BB962C8B-B14F-4D97-AF65-F5344CB8AC3E}">
